--- a/chapter_05/figures/rainfall_based_ff_verif_breakdown_scores_roc_1rp.pptx
+++ b/chapter_05/figures/rainfall_based_ff_verif_breakdown_scores_roc_1rp.pptx
@@ -115,7 +115,7 @@
 <file path=ppt/revisionInfo.xml><?xml version="1.0" encoding="utf-8"?>
 <p1510:revInfo xmlns:a="http://schemas.openxmlformats.org/drawingml/2006/main" xmlns:r="http://schemas.openxmlformats.org/officeDocument/2006/relationships" xmlns:p1510="http://schemas.microsoft.com/office/powerpoint/2015/10/main">
   <p1510:revLst>
-    <p1510:client id="{E0DE9FFC-A79A-49F3-A9EA-98D7366CA706}" v="21" dt="2025-05-24T16:35:56.282"/>
+    <p1510:client id="{E0DE9FFC-A79A-49F3-A9EA-98D7366CA706}" v="31" dt="2025-05-24T17:32:42.938"/>
   </p1510:revLst>
 </p1510:revInfo>
 </file>
@@ -125,17 +125,97 @@
   <pc:docChgLst>
     <pc:chgData name="Fatima Pillosu" userId="a6295d4dc9e22643" providerId="LiveId" clId="{E0DE9FFC-A79A-49F3-A9EA-98D7366CA706}"/>
     <pc:docChg chg="undo custSel addSld delSld modSld">
-      <pc:chgData name="Fatima Pillosu" userId="a6295d4dc9e22643" providerId="LiveId" clId="{E0DE9FFC-A79A-49F3-A9EA-98D7366CA706}" dt="2025-05-24T16:40:37.264" v="801" actId="47"/>
+      <pc:chgData name="Fatima Pillosu" userId="a6295d4dc9e22643" providerId="LiveId" clId="{E0DE9FFC-A79A-49F3-A9EA-98D7366CA706}" dt="2025-05-24T17:34:59.111" v="1222" actId="1036"/>
       <pc:docMkLst>
         <pc:docMk/>
       </pc:docMkLst>
       <pc:sldChg chg="addSp delSp modSp mod">
-        <pc:chgData name="Fatima Pillosu" userId="a6295d4dc9e22643" providerId="LiveId" clId="{E0DE9FFC-A79A-49F3-A9EA-98D7366CA706}" dt="2025-05-24T16:40:23.119" v="800" actId="554"/>
+        <pc:chgData name="Fatima Pillosu" userId="a6295d4dc9e22643" providerId="LiveId" clId="{E0DE9FFC-A79A-49F3-A9EA-98D7366CA706}" dt="2025-05-24T17:34:59.111" v="1222" actId="1036"/>
         <pc:sldMkLst>
           <pc:docMk/>
           <pc:sldMk cId="2001934226" sldId="256"/>
         </pc:sldMkLst>
         <pc:spChg chg="add mod">
+          <ac:chgData name="Fatima Pillosu" userId="a6295d4dc9e22643" providerId="LiveId" clId="{E0DE9FFC-A79A-49F3-A9EA-98D7366CA706}" dt="2025-05-24T17:34:51.594" v="1219" actId="1037"/>
+          <ac:spMkLst>
+            <pc:docMk/>
+            <pc:sldMk cId="2001934226" sldId="256"/>
+            <ac:spMk id="2" creationId="{1439338B-2360-F0B9-54B0-E0E8A3F764B5}"/>
+          </ac:spMkLst>
+        </pc:spChg>
+        <pc:spChg chg="add del mod">
+          <ac:chgData name="Fatima Pillosu" userId="a6295d4dc9e22643" providerId="LiveId" clId="{E0DE9FFC-A79A-49F3-A9EA-98D7366CA706}" dt="2025-05-24T17:29:08.149" v="1024" actId="478"/>
+          <ac:spMkLst>
+            <pc:docMk/>
+            <pc:sldMk cId="2001934226" sldId="256"/>
+            <ac:spMk id="3" creationId="{157B2B02-C3BD-211E-1A63-17A6B076F3B3}"/>
+          </ac:spMkLst>
+        </pc:spChg>
+        <pc:spChg chg="add del mod">
+          <ac:chgData name="Fatima Pillosu" userId="a6295d4dc9e22643" providerId="LiveId" clId="{E0DE9FFC-A79A-49F3-A9EA-98D7366CA706}" dt="2025-05-24T17:31:14.864" v="1095" actId="478"/>
+          <ac:spMkLst>
+            <pc:docMk/>
+            <pc:sldMk cId="2001934226" sldId="256"/>
+            <ac:spMk id="4" creationId="{BC3CF038-561F-BC84-91B6-A09983A80546}"/>
+          </ac:spMkLst>
+        </pc:spChg>
+        <pc:spChg chg="add del mod">
+          <ac:chgData name="Fatima Pillosu" userId="a6295d4dc9e22643" providerId="LiveId" clId="{E0DE9FFC-A79A-49F3-A9EA-98D7366CA706}" dt="2025-05-24T17:31:13.692" v="1094" actId="478"/>
+          <ac:spMkLst>
+            <pc:docMk/>
+            <pc:sldMk cId="2001934226" sldId="256"/>
+            <ac:spMk id="5" creationId="{D67A9C74-C781-FB85-1261-C25CBA0ED947}"/>
+          </ac:spMkLst>
+        </pc:spChg>
+        <pc:spChg chg="add del mod">
+          <ac:chgData name="Fatima Pillosu" userId="a6295d4dc9e22643" providerId="LiveId" clId="{E0DE9FFC-A79A-49F3-A9EA-98D7366CA706}" dt="2025-05-24T17:31:12.645" v="1093" actId="478"/>
+          <ac:spMkLst>
+            <pc:docMk/>
+            <pc:sldMk cId="2001934226" sldId="256"/>
+            <ac:spMk id="8" creationId="{2E5BF72F-D121-7735-FB51-3A65FBC91D16}"/>
+          </ac:spMkLst>
+        </pc:spChg>
+        <pc:spChg chg="add mod">
+          <ac:chgData name="Fatima Pillosu" userId="a6295d4dc9e22643" providerId="LiveId" clId="{E0DE9FFC-A79A-49F3-A9EA-98D7366CA706}" dt="2025-05-24T17:33:23.660" v="1196" actId="1035"/>
+          <ac:spMkLst>
+            <pc:docMk/>
+            <pc:sldMk cId="2001934226" sldId="256"/>
+            <ac:spMk id="10" creationId="{8B1F5955-FCB9-F344-7FF7-DF879384E574}"/>
+          </ac:spMkLst>
+        </pc:spChg>
+        <pc:spChg chg="add mod">
+          <ac:chgData name="Fatima Pillosu" userId="a6295d4dc9e22643" providerId="LiveId" clId="{E0DE9FFC-A79A-49F3-A9EA-98D7366CA706}" dt="2025-05-24T17:34:23.035" v="1214" actId="1036"/>
+          <ac:spMkLst>
+            <pc:docMk/>
+            <pc:sldMk cId="2001934226" sldId="256"/>
+            <ac:spMk id="11" creationId="{A2A68CE5-3663-E3BA-5B16-FF1EBD5CAD67}"/>
+          </ac:spMkLst>
+        </pc:spChg>
+        <pc:spChg chg="add mod">
+          <ac:chgData name="Fatima Pillosu" userId="a6295d4dc9e22643" providerId="LiveId" clId="{E0DE9FFC-A79A-49F3-A9EA-98D7366CA706}" dt="2025-05-24T17:34:23.035" v="1214" actId="1036"/>
+          <ac:spMkLst>
+            <pc:docMk/>
+            <pc:sldMk cId="2001934226" sldId="256"/>
+            <ac:spMk id="13" creationId="{0DD473FB-E495-B2CC-B0FF-A62B16673603}"/>
+          </ac:spMkLst>
+        </pc:spChg>
+        <pc:spChg chg="add mod">
+          <ac:chgData name="Fatima Pillosu" userId="a6295d4dc9e22643" providerId="LiveId" clId="{E0DE9FFC-A79A-49F3-A9EA-98D7366CA706}" dt="2025-05-24T17:26:11.111" v="925" actId="20577"/>
+          <ac:spMkLst>
+            <pc:docMk/>
+            <pc:sldMk cId="2001934226" sldId="256"/>
+            <ac:spMk id="14" creationId="{44BA3302-BB3A-42E9-5A33-833C023D5C47}"/>
+          </ac:spMkLst>
+        </pc:spChg>
+        <pc:spChg chg="add mod">
+          <ac:chgData name="Fatima Pillosu" userId="a6295d4dc9e22643" providerId="LiveId" clId="{E0DE9FFC-A79A-49F3-A9EA-98D7366CA706}" dt="2025-05-24T17:26:29.278" v="941" actId="20577"/>
+          <ac:spMkLst>
+            <pc:docMk/>
+            <pc:sldMk cId="2001934226" sldId="256"/>
+            <ac:spMk id="16" creationId="{FE152A2A-430B-C523-E1E8-2692C774555F}"/>
+          </ac:spMkLst>
+        </pc:spChg>
+        <pc:spChg chg="add mod">
           <ac:chgData name="Fatima Pillosu" userId="a6295d4dc9e22643" providerId="LiveId" clId="{E0DE9FFC-A79A-49F3-A9EA-98D7366CA706}" dt="2025-05-24T16:32:18.459" v="683" actId="115"/>
           <ac:spMkLst>
             <pc:docMk/>
@@ -144,11 +224,19 @@
           </ac:spMkLst>
         </pc:spChg>
         <pc:spChg chg="add mod">
-          <ac:chgData name="Fatima Pillosu" userId="a6295d4dc9e22643" providerId="LiveId" clId="{E0DE9FFC-A79A-49F3-A9EA-98D7366CA706}" dt="2025-05-24T16:39:34.457" v="785" actId="113"/>
+          <ac:chgData name="Fatima Pillosu" userId="a6295d4dc9e22643" providerId="LiveId" clId="{E0DE9FFC-A79A-49F3-A9EA-98D7366CA706}" dt="2025-05-24T17:33:23.660" v="1196" actId="1035"/>
           <ac:spMkLst>
             <pc:docMk/>
             <pc:sldMk cId="2001934226" sldId="256"/>
             <ac:spMk id="18" creationId="{18F79773-A305-6943-D6AB-6A9BB374B2B4}"/>
+          </ac:spMkLst>
+        </pc:spChg>
+        <pc:spChg chg="add mod">
+          <ac:chgData name="Fatima Pillosu" userId="a6295d4dc9e22643" providerId="LiveId" clId="{E0DE9FFC-A79A-49F3-A9EA-98D7366CA706}" dt="2025-05-24T17:33:49.227" v="1200" actId="1036"/>
+          <ac:spMkLst>
+            <pc:docMk/>
+            <pc:sldMk cId="2001934226" sldId="256"/>
+            <ac:spMk id="19" creationId="{812B84FE-6FFF-9B2B-74C3-F9216FC6BFC1}"/>
           </ac:spMkLst>
         </pc:spChg>
         <pc:spChg chg="add del mod">
@@ -160,43 +248,99 @@
           </ac:spMkLst>
         </pc:spChg>
         <pc:spChg chg="add del mod">
-          <ac:chgData name="Fatima Pillosu" userId="a6295d4dc9e22643" providerId="LiveId" clId="{E0DE9FFC-A79A-49F3-A9EA-98D7366CA706}" dt="2025-05-24T16:40:09.377" v="799" actId="1037"/>
+          <ac:chgData name="Fatima Pillosu" userId="a6295d4dc9e22643" providerId="LiveId" clId="{E0DE9FFC-A79A-49F3-A9EA-98D7366CA706}" dt="2025-05-24T17:24:35.889" v="861" actId="478"/>
           <ac:spMkLst>
             <pc:docMk/>
             <pc:sldMk cId="2001934226" sldId="256"/>
             <ac:spMk id="21" creationId="{0284A2DC-04F5-0D2C-8A57-01740B49A0AD}"/>
           </ac:spMkLst>
         </pc:spChg>
-        <pc:spChg chg="add mod">
-          <ac:chgData name="Fatima Pillosu" userId="a6295d4dc9e22643" providerId="LiveId" clId="{E0DE9FFC-A79A-49F3-A9EA-98D7366CA706}" dt="2025-05-24T16:39:48.411" v="791" actId="113"/>
+        <pc:spChg chg="add del mod">
+          <ac:chgData name="Fatima Pillosu" userId="a6295d4dc9e22643" providerId="LiveId" clId="{E0DE9FFC-A79A-49F3-A9EA-98D7366CA706}" dt="2025-05-24T17:24:39.696" v="862" actId="478"/>
           <ac:spMkLst>
             <pc:docMk/>
             <pc:sldMk cId="2001934226" sldId="256"/>
             <ac:spMk id="22" creationId="{7792FD3C-224E-D659-A131-B255E8E96E52}"/>
           </ac:spMkLst>
         </pc:spChg>
-        <pc:spChg chg="add mod">
-          <ac:chgData name="Fatima Pillosu" userId="a6295d4dc9e22643" providerId="LiveId" clId="{E0DE9FFC-A79A-49F3-A9EA-98D7366CA706}" dt="2025-05-24T16:40:09.377" v="799" actId="1037"/>
+        <pc:spChg chg="add del mod">
+          <ac:chgData name="Fatima Pillosu" userId="a6295d4dc9e22643" providerId="LiveId" clId="{E0DE9FFC-A79A-49F3-A9EA-98D7366CA706}" dt="2025-05-24T17:24:40.855" v="863" actId="478"/>
           <ac:spMkLst>
             <pc:docMk/>
             <pc:sldMk cId="2001934226" sldId="256"/>
             <ac:spMk id="23" creationId="{F19462D0-2710-AA91-1CCF-483BA08755F9}"/>
           </ac:spMkLst>
         </pc:spChg>
-        <pc:spChg chg="add mod">
-          <ac:chgData name="Fatima Pillosu" userId="a6295d4dc9e22643" providerId="LiveId" clId="{E0DE9FFC-A79A-49F3-A9EA-98D7366CA706}" dt="2025-05-24T16:40:23.119" v="800" actId="554"/>
+        <pc:spChg chg="add del mod">
+          <ac:chgData name="Fatima Pillosu" userId="a6295d4dc9e22643" providerId="LiveId" clId="{E0DE9FFC-A79A-49F3-A9EA-98D7366CA706}" dt="2025-05-24T17:24:44.672" v="865" actId="478"/>
           <ac:spMkLst>
             <pc:docMk/>
             <pc:sldMk cId="2001934226" sldId="256"/>
             <ac:spMk id="24" creationId="{728394F9-CAEC-DD34-1C7D-BCD4BEC3F436}"/>
           </ac:spMkLst>
         </pc:spChg>
-        <pc:spChg chg="add mod">
-          <ac:chgData name="Fatima Pillosu" userId="a6295d4dc9e22643" providerId="LiveId" clId="{E0DE9FFC-A79A-49F3-A9EA-98D7366CA706}" dt="2025-05-24T16:40:23.119" v="800" actId="554"/>
+        <pc:spChg chg="add del mod">
+          <ac:chgData name="Fatima Pillosu" userId="a6295d4dc9e22643" providerId="LiveId" clId="{E0DE9FFC-A79A-49F3-A9EA-98D7366CA706}" dt="2025-05-24T17:24:43.571" v="864" actId="478"/>
           <ac:spMkLst>
             <pc:docMk/>
             <pc:sldMk cId="2001934226" sldId="256"/>
             <ac:spMk id="25" creationId="{FC832C13-787F-2152-898E-AA680DE9C99E}"/>
+          </ac:spMkLst>
+        </pc:spChg>
+        <pc:spChg chg="add mod">
+          <ac:chgData name="Fatima Pillosu" userId="a6295d4dc9e22643" providerId="LiveId" clId="{E0DE9FFC-A79A-49F3-A9EA-98D7366CA706}" dt="2025-05-24T17:33:56.230" v="1205" actId="1035"/>
+          <ac:spMkLst>
+            <pc:docMk/>
+            <pc:sldMk cId="2001934226" sldId="256"/>
+            <ac:spMk id="26" creationId="{46667C36-0CBE-9755-7F89-8AACC8E51FA9}"/>
+          </ac:spMkLst>
+        </pc:spChg>
+        <pc:spChg chg="add mod">
+          <ac:chgData name="Fatima Pillosu" userId="a6295d4dc9e22643" providerId="LiveId" clId="{E0DE9FFC-A79A-49F3-A9EA-98D7366CA706}" dt="2025-05-24T17:34:01.439" v="1206" actId="1035"/>
+          <ac:spMkLst>
+            <pc:docMk/>
+            <pc:sldMk cId="2001934226" sldId="256"/>
+            <ac:spMk id="27" creationId="{F71E61F0-9840-9B7F-30F2-30B65396312F}"/>
+          </ac:spMkLst>
+        </pc:spChg>
+        <pc:spChg chg="add mod">
+          <ac:chgData name="Fatima Pillosu" userId="a6295d4dc9e22643" providerId="LiveId" clId="{E0DE9FFC-A79A-49F3-A9EA-98D7366CA706}" dt="2025-05-24T17:34:51.594" v="1219" actId="1037"/>
+          <ac:spMkLst>
+            <pc:docMk/>
+            <pc:sldMk cId="2001934226" sldId="256"/>
+            <ac:spMk id="28" creationId="{CF1C25AE-D652-11A5-B5EC-F8165BE323FC}"/>
+          </ac:spMkLst>
+        </pc:spChg>
+        <pc:spChg chg="add mod">
+          <ac:chgData name="Fatima Pillosu" userId="a6295d4dc9e22643" providerId="LiveId" clId="{E0DE9FFC-A79A-49F3-A9EA-98D7366CA706}" dt="2025-05-24T17:34:51.594" v="1219" actId="1037"/>
+          <ac:spMkLst>
+            <pc:docMk/>
+            <pc:sldMk cId="2001934226" sldId="256"/>
+            <ac:spMk id="29" creationId="{31F73A1B-3ADC-F2FE-4134-96AE95176977}"/>
+          </ac:spMkLst>
+        </pc:spChg>
+        <pc:spChg chg="add mod">
+          <ac:chgData name="Fatima Pillosu" userId="a6295d4dc9e22643" providerId="LiveId" clId="{E0DE9FFC-A79A-49F3-A9EA-98D7366CA706}" dt="2025-05-24T17:34:59.111" v="1222" actId="1036"/>
+          <ac:spMkLst>
+            <pc:docMk/>
+            <pc:sldMk cId="2001934226" sldId="256"/>
+            <ac:spMk id="30" creationId="{9CAEBC89-740E-B6AE-1664-60181017FDA9}"/>
+          </ac:spMkLst>
+        </pc:spChg>
+        <pc:spChg chg="add mod">
+          <ac:chgData name="Fatima Pillosu" userId="a6295d4dc9e22643" providerId="LiveId" clId="{E0DE9FFC-A79A-49F3-A9EA-98D7366CA706}" dt="2025-05-24T17:34:59.111" v="1222" actId="1036"/>
+          <ac:spMkLst>
+            <pc:docMk/>
+            <pc:sldMk cId="2001934226" sldId="256"/>
+            <ac:spMk id="31" creationId="{A915B4F4-9555-239A-6644-707B5F75353A}"/>
+          </ac:spMkLst>
+        </pc:spChg>
+        <pc:spChg chg="add mod">
+          <ac:chgData name="Fatima Pillosu" userId="a6295d4dc9e22643" providerId="LiveId" clId="{E0DE9FFC-A79A-49F3-A9EA-98D7366CA706}" dt="2025-05-24T17:34:59.111" v="1222" actId="1036"/>
+          <ac:spMkLst>
+            <pc:docMk/>
+            <pc:sldMk cId="2001934226" sldId="256"/>
+            <ac:spMk id="33" creationId="{BDE5C9A9-3189-D01F-D799-FE5E444982DC}"/>
           </ac:spMkLst>
         </pc:spChg>
         <pc:picChg chg="add del mod modCrop">
@@ -223,16 +367,16 @@
             <ac:picMk id="5" creationId="{87F9BF24-68CF-2FA5-E7E5-099E33460BC3}"/>
           </ac:picMkLst>
         </pc:picChg>
-        <pc:picChg chg="add mod ord">
-          <ac:chgData name="Fatima Pillosu" userId="a6295d4dc9e22643" providerId="LiveId" clId="{E0DE9FFC-A79A-49F3-A9EA-98D7366CA706}" dt="2025-05-24T16:38:52.153" v="782" actId="554"/>
+        <pc:picChg chg="add mod ord modCrop">
+          <ac:chgData name="Fatima Pillosu" userId="a6295d4dc9e22643" providerId="LiveId" clId="{E0DE9FFC-A79A-49F3-A9EA-98D7366CA706}" dt="2025-05-24T17:33:23.660" v="1196" actId="1035"/>
           <ac:picMkLst>
             <pc:docMk/>
             <pc:sldMk cId="2001934226" sldId="256"/>
             <ac:picMk id="6" creationId="{88D99402-A6F8-6200-075A-3580037CFB63}"/>
           </ac:picMkLst>
         </pc:picChg>
-        <pc:picChg chg="add mod ord">
-          <ac:chgData name="Fatima Pillosu" userId="a6295d4dc9e22643" providerId="LiveId" clId="{E0DE9FFC-A79A-49F3-A9EA-98D7366CA706}" dt="2025-05-24T16:38:52.153" v="782" actId="554"/>
+        <pc:picChg chg="add mod ord modCrop">
+          <ac:chgData name="Fatima Pillosu" userId="a6295d4dc9e22643" providerId="LiveId" clId="{E0DE9FFC-A79A-49F3-A9EA-98D7366CA706}" dt="2025-05-24T17:33:23.660" v="1196" actId="1035"/>
           <ac:picMkLst>
             <pc:docMk/>
             <pc:sldMk cId="2001934226" sldId="256"/>
@@ -255,8 +399,8 @@
             <ac:picMk id="8" creationId="{966DFB7E-2313-E3AE-0C7B-A9197A362F8F}"/>
           </ac:picMkLst>
         </pc:picChg>
-        <pc:picChg chg="add mod ord">
-          <ac:chgData name="Fatima Pillosu" userId="a6295d4dc9e22643" providerId="LiveId" clId="{E0DE9FFC-A79A-49F3-A9EA-98D7366CA706}" dt="2025-05-24T16:39:01.888" v="783" actId="555"/>
+        <pc:picChg chg="add mod ord modCrop">
+          <ac:chgData name="Fatima Pillosu" userId="a6295d4dc9e22643" providerId="LiveId" clId="{E0DE9FFC-A79A-49F3-A9EA-98D7366CA706}" dt="2025-05-24T17:33:42.534" v="1198" actId="465"/>
           <ac:picMkLst>
             <pc:docMk/>
             <pc:sldMk cId="2001934226" sldId="256"/>
@@ -279,8 +423,8 @@
             <ac:picMk id="11" creationId="{706AFC1D-A936-2CE0-E5A9-873BCA840FB1}"/>
           </ac:picMkLst>
         </pc:picChg>
-        <pc:picChg chg="add mod ord">
-          <ac:chgData name="Fatima Pillosu" userId="a6295d4dc9e22643" providerId="LiveId" clId="{E0DE9FFC-A79A-49F3-A9EA-98D7366CA706}" dt="2025-05-24T16:39:01.888" v="783" actId="555"/>
+        <pc:picChg chg="add mod ord modCrop">
+          <ac:chgData name="Fatima Pillosu" userId="a6295d4dc9e22643" providerId="LiveId" clId="{E0DE9FFC-A79A-49F3-A9EA-98D7366CA706}" dt="2025-05-24T17:33:36.066" v="1197" actId="465"/>
           <ac:picMkLst>
             <pc:docMk/>
             <pc:sldMk cId="2001934226" sldId="256"/>
@@ -303,8 +447,8 @@
             <ac:picMk id="15" creationId="{C59B432D-0D81-1D00-E1A2-EFBF8B1B92EC}"/>
           </ac:picMkLst>
         </pc:picChg>
-        <pc:picChg chg="add mod ord">
-          <ac:chgData name="Fatima Pillosu" userId="a6295d4dc9e22643" providerId="LiveId" clId="{E0DE9FFC-A79A-49F3-A9EA-98D7366CA706}" dt="2025-05-24T16:39:07.074" v="784" actId="554"/>
+        <pc:picChg chg="add mod ord modCrop">
+          <ac:chgData name="Fatima Pillosu" userId="a6295d4dc9e22643" providerId="LiveId" clId="{E0DE9FFC-A79A-49F3-A9EA-98D7366CA706}" dt="2025-05-24T17:27:15.574" v="946" actId="732"/>
           <ac:picMkLst>
             <pc:docMk/>
             <pc:sldMk cId="2001934226" sldId="256"/>
@@ -327,8 +471,8 @@
             <ac:picMk id="19" creationId="{2A46B08F-D5EF-8DA6-EE9C-D7579C9F85A6}"/>
           </ac:picMkLst>
         </pc:picChg>
-        <pc:picChg chg="add mod ord">
-          <ac:chgData name="Fatima Pillosu" userId="a6295d4dc9e22643" providerId="LiveId" clId="{E0DE9FFC-A79A-49F3-A9EA-98D7366CA706}" dt="2025-05-24T16:39:07.074" v="784" actId="554"/>
+        <pc:picChg chg="add mod ord modCrop">
+          <ac:chgData name="Fatima Pillosu" userId="a6295d4dc9e22643" providerId="LiveId" clId="{E0DE9FFC-A79A-49F3-A9EA-98D7366CA706}" dt="2025-05-24T17:27:19.860" v="947" actId="732"/>
           <ac:picMkLst>
             <pc:docMk/>
             <pc:sldMk cId="2001934226" sldId="256"/>
@@ -351,6 +495,14 @@
             <ac:picMk id="31" creationId="{B5A40F9E-D06D-BAAD-8AC4-62AA22C0C9FE}"/>
           </ac:picMkLst>
         </pc:picChg>
+        <pc:cxnChg chg="add mod">
+          <ac:chgData name="Fatima Pillosu" userId="a6295d4dc9e22643" providerId="LiveId" clId="{E0DE9FFC-A79A-49F3-A9EA-98D7366CA706}" dt="2025-05-24T17:34:59.111" v="1222" actId="1036"/>
+          <ac:cxnSpMkLst>
+            <pc:docMk/>
+            <pc:sldMk cId="2001934226" sldId="256"/>
+            <ac:cxnSpMk id="32" creationId="{A10F3755-65FA-8268-88B6-1CBC42EFB7F8}"/>
+          </ac:cxnSpMkLst>
+        </pc:cxnChg>
       </pc:sldChg>
       <pc:sldChg chg="addSp delSp modSp add del mod">
         <pc:chgData name="Fatima Pillosu" userId="a6295d4dc9e22643" providerId="LiveId" clId="{E0DE9FFC-A79A-49F3-A9EA-98D7366CA706}" dt="2025-05-24T16:40:37.264" v="801" actId="47"/>
@@ -3415,13 +3567,13 @@
               </a:ext>
             </a:extLst>
           </a:blip>
-          <a:srcRect l="1989" t="4968" r="9069" b="2509"/>
+          <a:srcRect l="1989" t="11245" r="9069" b="9654"/>
           <a:stretch/>
         </p:blipFill>
         <p:spPr>
           <a:xfrm>
-            <a:off x="16476" y="406689"/>
-            <a:ext cx="1903355" cy="1980000"/>
+            <a:off x="16476" y="750570"/>
+            <a:ext cx="1903355" cy="1692770"/>
           </a:xfrm>
           <a:prstGeom prst="rect">
             <a:avLst/>
@@ -3450,13 +3602,13 @@
               </a:ext>
             </a:extLst>
           </a:blip>
-          <a:srcRect l="1989" t="4968" r="9069" b="2509"/>
+          <a:srcRect l="5756" t="11245" r="9069" b="9654"/>
           <a:stretch/>
         </p:blipFill>
         <p:spPr>
           <a:xfrm>
-            <a:off x="2224997" y="406689"/>
-            <a:ext cx="1903355" cy="1980000"/>
+            <a:off x="2305616" y="750570"/>
+            <a:ext cx="1822736" cy="1692770"/>
           </a:xfrm>
           <a:prstGeom prst="rect">
             <a:avLst/>
@@ -3485,13 +3637,13 @@
               </a:ext>
             </a:extLst>
           </a:blip>
-          <a:srcRect l="1989" t="4968" r="9069" b="2509"/>
+          <a:srcRect l="1989" t="11245" r="9069" b="9654"/>
           <a:stretch/>
         </p:blipFill>
         <p:spPr>
           <a:xfrm>
-            <a:off x="16476" y="2453432"/>
-            <a:ext cx="1903355" cy="1980000"/>
+            <a:off x="16476" y="2692538"/>
+            <a:ext cx="1903355" cy="1692770"/>
           </a:xfrm>
           <a:prstGeom prst="rect">
             <a:avLst/>
@@ -3520,13 +3672,13 @@
               </a:ext>
             </a:extLst>
           </a:blip>
-          <a:srcRect l="1989" t="4968" r="9069" b="2509"/>
+          <a:srcRect l="5756" t="11245" r="9069" b="9654"/>
           <a:stretch/>
         </p:blipFill>
         <p:spPr>
           <a:xfrm>
-            <a:off x="2224997" y="2453432"/>
-            <a:ext cx="1903355" cy="1980000"/>
+            <a:off x="2305616" y="2692537"/>
+            <a:ext cx="1822736" cy="1692771"/>
           </a:xfrm>
           <a:prstGeom prst="rect">
             <a:avLst/>
@@ -3555,13 +3707,13 @@
               </a:ext>
             </a:extLst>
           </a:blip>
-          <a:srcRect l="1989" t="4968" r="9069" b="2509"/>
+          <a:srcRect l="1989" t="11245" r="9069" b="2508"/>
           <a:stretch/>
         </p:blipFill>
         <p:spPr>
           <a:xfrm>
-            <a:off x="16476" y="4500175"/>
-            <a:ext cx="1903355" cy="1980000"/>
+            <a:off x="16476" y="4634507"/>
+            <a:ext cx="1903355" cy="1845667"/>
           </a:xfrm>
           <a:prstGeom prst="rect">
             <a:avLst/>
@@ -3590,13 +3742,13 @@
               </a:ext>
             </a:extLst>
           </a:blip>
-          <a:srcRect l="1989" t="4968" r="9069" b="2509"/>
+          <a:srcRect l="5756" t="11245" r="9069" b="2508"/>
           <a:stretch/>
         </p:blipFill>
         <p:spPr>
           <a:xfrm>
-            <a:off x="2224997" y="4500175"/>
-            <a:ext cx="1903355" cy="1980000"/>
+            <a:off x="2305616" y="4634505"/>
+            <a:ext cx="1822736" cy="1845670"/>
           </a:xfrm>
           <a:prstGeom prst="rect">
             <a:avLst/>
@@ -3699,8 +3851,8 @@
         </p:nvSpPr>
         <p:spPr>
           <a:xfrm>
-            <a:off x="963525" y="1635832"/>
-            <a:ext cx="842873" cy="461665"/>
+            <a:off x="1043940" y="1996544"/>
+            <a:ext cx="786840" cy="338554"/>
           </a:xfrm>
           <a:prstGeom prst="rect">
             <a:avLst/>
@@ -3732,7 +3884,70 @@
                 <a:latin typeface="Calibri Light" panose="020F0302020204030204" pitchFamily="34" charset="0"/>
                 <a:cs typeface="Calibri Light" panose="020F0302020204030204" pitchFamily="34" charset="0"/>
               </a:rPr>
-              <a:t>a) short-range forecast (reanalysis)</a:t>
+              <a:t>AROC = 0.675</a:t>
+            </a:r>
+          </a:p>
+          <a:p>
+            <a:pPr algn="ctr"/>
+            <a:r>
+              <a:rPr lang="en-US" sz="800" dirty="0">
+                <a:solidFill>
+                  <a:schemeClr val="tx1">
+                    <a:lumMod val="95000"/>
+                    <a:lumOff val="5000"/>
+                  </a:schemeClr>
+                </a:solidFill>
+                <a:latin typeface="Calibri Light" panose="020F0302020204030204" pitchFamily="34" charset="0"/>
+                <a:cs typeface="Calibri Light" panose="020F0302020204030204" pitchFamily="34" charset="0"/>
+              </a:rPr>
+              <a:t>(0.660 ; 0.691)</a:t>
+            </a:r>
+          </a:p>
+        </p:txBody>
+      </p:sp>
+      <p:sp>
+        <p:nvSpPr>
+          <p:cNvPr id="2" name="TextBox 1">
+            <a:extLst>
+              <a:ext uri="{FF2B5EF4-FFF2-40B4-BE49-F238E27FC236}">
+                <a16:creationId xmlns:a16="http://schemas.microsoft.com/office/drawing/2014/main" id="{1439338B-2360-F0B9-54B0-E0E8A3F764B5}"/>
+              </a:ext>
+            </a:extLst>
+          </p:cNvPr>
+          <p:cNvSpPr txBox="1"/>
+          <p:nvPr/>
+        </p:nvSpPr>
+        <p:spPr>
+          <a:xfrm>
+            <a:off x="2168099" y="568047"/>
+            <a:ext cx="1908000" cy="216000"/>
+          </a:xfrm>
+          <a:prstGeom prst="rect">
+            <a:avLst/>
+          </a:prstGeom>
+          <a:noFill/>
+          <a:ln>
+            <a:noFill/>
+          </a:ln>
+        </p:spPr>
+        <p:txBody>
+          <a:bodyPr wrap="square" rtlCol="0">
+            <a:spAutoFit/>
+          </a:bodyPr>
+          <a:lstStyle/>
+          <a:p>
+            <a:r>
+              <a:rPr lang="en-US" sz="800" dirty="0">
+                <a:solidFill>
+                  <a:schemeClr val="tx1">
+                    <a:lumMod val="95000"/>
+                    <a:lumOff val="5000"/>
+                  </a:schemeClr>
+                </a:solidFill>
+                <a:latin typeface="Calibri Light" panose="020F0302020204030204" pitchFamily="34" charset="0"/>
+                <a:cs typeface="Calibri Light" panose="020F0302020204030204" pitchFamily="34" charset="0"/>
+              </a:rPr>
+              <a:t>b) long-range forecast (t+0,t+24)</a:t>
             </a:r>
             <a:endParaRPr lang="en-GB" sz="800" dirty="0">
               <a:solidFill>
@@ -3749,10 +3964,10 @@
       </p:sp>
       <p:sp>
         <p:nvSpPr>
-          <p:cNvPr id="21" name="TextBox 20">
+          <p:cNvPr id="10" name="TextBox 9">
             <a:extLst>
               <a:ext uri="{FF2B5EF4-FFF2-40B4-BE49-F238E27FC236}">
-                <a16:creationId xmlns:a16="http://schemas.microsoft.com/office/drawing/2014/main" id="{0284A2DC-04F5-0D2C-8A57-01740B49A0AD}"/>
+                <a16:creationId xmlns:a16="http://schemas.microsoft.com/office/drawing/2014/main" id="{8B1F5955-FCB9-F344-7FF7-DF879384E574}"/>
               </a:ext>
             </a:extLst>
           </p:cNvPr>
@@ -3761,8 +3976,8 @@
         </p:nvSpPr>
         <p:spPr>
           <a:xfrm>
-            <a:off x="3186709" y="1635832"/>
-            <a:ext cx="842873" cy="461665"/>
+            <a:off x="3246120" y="1996544"/>
+            <a:ext cx="786840" cy="338554"/>
           </a:xfrm>
           <a:prstGeom prst="rect">
             <a:avLst/>
@@ -3794,27 +4009,33 @@
                 <a:latin typeface="Calibri Light" panose="020F0302020204030204" pitchFamily="34" charset="0"/>
                 <a:cs typeface="Calibri Light" panose="020F0302020204030204" pitchFamily="34" charset="0"/>
               </a:rPr>
-              <a:t>b) long-range forecast (t+0,t+24)</a:t>
-            </a:r>
-            <a:endParaRPr lang="en-GB" sz="800" dirty="0">
-              <a:solidFill>
-                <a:schemeClr val="tx1">
-                  <a:lumMod val="95000"/>
-                  <a:lumOff val="5000"/>
-                </a:schemeClr>
-              </a:solidFill>
-              <a:latin typeface="Calibri Light" panose="020F0302020204030204" pitchFamily="34" charset="0"/>
-              <a:cs typeface="Calibri Light" panose="020F0302020204030204" pitchFamily="34" charset="0"/>
-            </a:endParaRPr>
-          </a:p>
-        </p:txBody>
-      </p:sp>
-      <p:sp>
-        <p:nvSpPr>
-          <p:cNvPr id="22" name="TextBox 21">
+              <a:t>AROC = 0.692</a:t>
+            </a:r>
+          </a:p>
+          <a:p>
+            <a:pPr algn="ctr"/>
+            <a:r>
+              <a:rPr lang="en-US" sz="800" dirty="0">
+                <a:solidFill>
+                  <a:schemeClr val="tx1">
+                    <a:lumMod val="95000"/>
+                    <a:lumOff val="5000"/>
+                  </a:schemeClr>
+                </a:solidFill>
+                <a:latin typeface="Calibri Light" panose="020F0302020204030204" pitchFamily="34" charset="0"/>
+                <a:cs typeface="Calibri Light" panose="020F0302020204030204" pitchFamily="34" charset="0"/>
+              </a:rPr>
+              <a:t>(0.677 ; 0.708)</a:t>
+            </a:r>
+          </a:p>
+        </p:txBody>
+      </p:sp>
+      <p:sp>
+        <p:nvSpPr>
+          <p:cNvPr id="11" name="TextBox 10">
             <a:extLst>
               <a:ext uri="{FF2B5EF4-FFF2-40B4-BE49-F238E27FC236}">
-                <a16:creationId xmlns:a16="http://schemas.microsoft.com/office/drawing/2014/main" id="{7792FD3C-224E-D659-A131-B255E8E96E52}"/>
+                <a16:creationId xmlns:a16="http://schemas.microsoft.com/office/drawing/2014/main" id="{A2A68CE5-3663-E3BA-5B16-FF1EBD5CAD67}"/>
               </a:ext>
             </a:extLst>
           </p:cNvPr>
@@ -3823,8 +4044,8 @@
         </p:nvSpPr>
         <p:spPr>
           <a:xfrm>
-            <a:off x="963525" y="3696799"/>
-            <a:ext cx="842873" cy="461665"/>
+            <a:off x="1043940" y="3924404"/>
+            <a:ext cx="786840" cy="338554"/>
           </a:xfrm>
           <a:prstGeom prst="rect">
             <a:avLst/>
@@ -3856,27 +4077,33 @@
                 <a:latin typeface="Calibri Light" panose="020F0302020204030204" pitchFamily="34" charset="0"/>
                 <a:cs typeface="Calibri Light" panose="020F0302020204030204" pitchFamily="34" charset="0"/>
               </a:rPr>
-              <a:t>c) long-range forecast (t+24,t+48)</a:t>
-            </a:r>
-            <a:endParaRPr lang="en-GB" sz="800" dirty="0">
-              <a:solidFill>
-                <a:schemeClr val="tx1">
-                  <a:lumMod val="95000"/>
-                  <a:lumOff val="5000"/>
-                </a:schemeClr>
-              </a:solidFill>
-              <a:latin typeface="Calibri Light" panose="020F0302020204030204" pitchFamily="34" charset="0"/>
-              <a:cs typeface="Calibri Light" panose="020F0302020204030204" pitchFamily="34" charset="0"/>
-            </a:endParaRPr>
-          </a:p>
-        </p:txBody>
-      </p:sp>
-      <p:sp>
-        <p:nvSpPr>
-          <p:cNvPr id="23" name="TextBox 22">
+              <a:t>AROC = 0.655</a:t>
+            </a:r>
+          </a:p>
+          <a:p>
+            <a:pPr algn="ctr"/>
+            <a:r>
+              <a:rPr lang="en-US" sz="800" dirty="0">
+                <a:solidFill>
+                  <a:schemeClr val="tx1">
+                    <a:lumMod val="95000"/>
+                    <a:lumOff val="5000"/>
+                  </a:schemeClr>
+                </a:solidFill>
+                <a:latin typeface="Calibri Light" panose="020F0302020204030204" pitchFamily="34" charset="0"/>
+                <a:cs typeface="Calibri Light" panose="020F0302020204030204" pitchFamily="34" charset="0"/>
+              </a:rPr>
+              <a:t>(0.640 ; 0.670)</a:t>
+            </a:r>
+          </a:p>
+        </p:txBody>
+      </p:sp>
+      <p:sp>
+        <p:nvSpPr>
+          <p:cNvPr id="13" name="TextBox 12">
             <a:extLst>
               <a:ext uri="{FF2B5EF4-FFF2-40B4-BE49-F238E27FC236}">
-                <a16:creationId xmlns:a16="http://schemas.microsoft.com/office/drawing/2014/main" id="{F19462D0-2710-AA91-1CCF-483BA08755F9}"/>
+                <a16:creationId xmlns:a16="http://schemas.microsoft.com/office/drawing/2014/main" id="{0DD473FB-E495-B2CC-B0FF-A62B16673603}"/>
               </a:ext>
             </a:extLst>
           </p:cNvPr>
@@ -3885,8 +4112,8 @@
         </p:nvSpPr>
         <p:spPr>
           <a:xfrm>
-            <a:off x="3186709" y="3696799"/>
-            <a:ext cx="842873" cy="461665"/>
+            <a:off x="3246120" y="3924404"/>
+            <a:ext cx="786840" cy="338554"/>
           </a:xfrm>
           <a:prstGeom prst="rect">
             <a:avLst/>
@@ -3918,27 +4145,33 @@
                 <a:latin typeface="Calibri Light" panose="020F0302020204030204" pitchFamily="34" charset="0"/>
                 <a:cs typeface="Calibri Light" panose="020F0302020204030204" pitchFamily="34" charset="0"/>
               </a:rPr>
-              <a:t>d) long-range forecast (t+48,t+72)</a:t>
-            </a:r>
-            <a:endParaRPr lang="en-GB" sz="800" dirty="0">
-              <a:solidFill>
-                <a:schemeClr val="tx1">
-                  <a:lumMod val="95000"/>
-                  <a:lumOff val="5000"/>
-                </a:schemeClr>
-              </a:solidFill>
-              <a:latin typeface="Calibri Light" panose="020F0302020204030204" pitchFamily="34" charset="0"/>
-              <a:cs typeface="Calibri Light" panose="020F0302020204030204" pitchFamily="34" charset="0"/>
-            </a:endParaRPr>
-          </a:p>
-        </p:txBody>
-      </p:sp>
-      <p:sp>
-        <p:nvSpPr>
-          <p:cNvPr id="24" name="TextBox 23">
+              <a:t>AROC = 0.634</a:t>
+            </a:r>
+          </a:p>
+          <a:p>
+            <a:pPr algn="ctr"/>
+            <a:r>
+              <a:rPr lang="en-US" sz="800" dirty="0">
+                <a:solidFill>
+                  <a:schemeClr val="tx1">
+                    <a:lumMod val="95000"/>
+                    <a:lumOff val="5000"/>
+                  </a:schemeClr>
+                </a:solidFill>
+                <a:latin typeface="Calibri Light" panose="020F0302020204030204" pitchFamily="34" charset="0"/>
+                <a:cs typeface="Calibri Light" panose="020F0302020204030204" pitchFamily="34" charset="0"/>
+              </a:rPr>
+              <a:t>(0.618 ; 0.649)</a:t>
+            </a:r>
+          </a:p>
+        </p:txBody>
+      </p:sp>
+      <p:sp>
+        <p:nvSpPr>
+          <p:cNvPr id="14" name="TextBox 13">
             <a:extLst>
               <a:ext uri="{FF2B5EF4-FFF2-40B4-BE49-F238E27FC236}">
-                <a16:creationId xmlns:a16="http://schemas.microsoft.com/office/drawing/2014/main" id="{728394F9-CAEC-DD34-1C7D-BCD4BEC3F436}"/>
+                <a16:creationId xmlns:a16="http://schemas.microsoft.com/office/drawing/2014/main" id="{44BA3302-BB3A-42E9-5A33-833C023D5C47}"/>
               </a:ext>
             </a:extLst>
           </p:cNvPr>
@@ -3947,8 +4180,8 @@
         </p:nvSpPr>
         <p:spPr>
           <a:xfrm>
-            <a:off x="963525" y="5768119"/>
-            <a:ext cx="842873" cy="461665"/>
+            <a:off x="1043940" y="5871314"/>
+            <a:ext cx="786840" cy="338554"/>
           </a:xfrm>
           <a:prstGeom prst="rect">
             <a:avLst/>
@@ -3980,27 +4213,33 @@
                 <a:latin typeface="Calibri Light" panose="020F0302020204030204" pitchFamily="34" charset="0"/>
                 <a:cs typeface="Calibri Light" panose="020F0302020204030204" pitchFamily="34" charset="0"/>
               </a:rPr>
-              <a:t>e) long-range forecast (t+72,t+96)</a:t>
-            </a:r>
-            <a:endParaRPr lang="en-GB" sz="800" dirty="0">
-              <a:solidFill>
-                <a:schemeClr val="tx1">
-                  <a:lumMod val="95000"/>
-                  <a:lumOff val="5000"/>
-                </a:schemeClr>
-              </a:solidFill>
-              <a:latin typeface="Calibri Light" panose="020F0302020204030204" pitchFamily="34" charset="0"/>
-              <a:cs typeface="Calibri Light" panose="020F0302020204030204" pitchFamily="34" charset="0"/>
-            </a:endParaRPr>
-          </a:p>
-        </p:txBody>
-      </p:sp>
-      <p:sp>
-        <p:nvSpPr>
-          <p:cNvPr id="25" name="TextBox 24">
+              <a:t>AROC = 0.623</a:t>
+            </a:r>
+          </a:p>
+          <a:p>
+            <a:pPr algn="ctr"/>
+            <a:r>
+              <a:rPr lang="en-US" sz="800" dirty="0">
+                <a:solidFill>
+                  <a:schemeClr val="tx1">
+                    <a:lumMod val="95000"/>
+                    <a:lumOff val="5000"/>
+                  </a:schemeClr>
+                </a:solidFill>
+                <a:latin typeface="Calibri Light" panose="020F0302020204030204" pitchFamily="34" charset="0"/>
+                <a:cs typeface="Calibri Light" panose="020F0302020204030204" pitchFamily="34" charset="0"/>
+              </a:rPr>
+              <a:t>(0.609 ; 0.636)</a:t>
+            </a:r>
+          </a:p>
+        </p:txBody>
+      </p:sp>
+      <p:sp>
+        <p:nvSpPr>
+          <p:cNvPr id="16" name="TextBox 15">
             <a:extLst>
               <a:ext uri="{FF2B5EF4-FFF2-40B4-BE49-F238E27FC236}">
-                <a16:creationId xmlns:a16="http://schemas.microsoft.com/office/drawing/2014/main" id="{FC832C13-787F-2152-898E-AA680DE9C99E}"/>
+                <a16:creationId xmlns:a16="http://schemas.microsoft.com/office/drawing/2014/main" id="{FE152A2A-430B-C523-E1E8-2692C774555F}"/>
               </a:ext>
             </a:extLst>
           </p:cNvPr>
@@ -4009,8 +4248,8 @@
         </p:nvSpPr>
         <p:spPr>
           <a:xfrm>
-            <a:off x="3186709" y="5768119"/>
-            <a:ext cx="842873" cy="461665"/>
+            <a:off x="3246120" y="5871314"/>
+            <a:ext cx="786840" cy="338554"/>
           </a:xfrm>
           <a:prstGeom prst="rect">
             <a:avLst/>
@@ -4042,7 +4281,513 @@
                 <a:latin typeface="Calibri Light" panose="020F0302020204030204" pitchFamily="34" charset="0"/>
                 <a:cs typeface="Calibri Light" panose="020F0302020204030204" pitchFamily="34" charset="0"/>
               </a:rPr>
+              <a:t>AROC = 0.612</a:t>
+            </a:r>
+          </a:p>
+          <a:p>
+            <a:pPr algn="ctr"/>
+            <a:r>
+              <a:rPr lang="en-US" sz="800" dirty="0">
+                <a:solidFill>
+                  <a:schemeClr val="tx1">
+                    <a:lumMod val="95000"/>
+                    <a:lumOff val="5000"/>
+                  </a:schemeClr>
+                </a:solidFill>
+                <a:latin typeface="Calibri Light" panose="020F0302020204030204" pitchFamily="34" charset="0"/>
+                <a:cs typeface="Calibri Light" panose="020F0302020204030204" pitchFamily="34" charset="0"/>
+              </a:rPr>
+              <a:t>(0.598 ; 0.628)</a:t>
+            </a:r>
+          </a:p>
+        </p:txBody>
+      </p:sp>
+      <p:sp>
+        <p:nvSpPr>
+          <p:cNvPr id="19" name="TextBox 18">
+            <a:extLst>
+              <a:ext uri="{FF2B5EF4-FFF2-40B4-BE49-F238E27FC236}">
+                <a16:creationId xmlns:a16="http://schemas.microsoft.com/office/drawing/2014/main" id="{812B84FE-6FFF-9B2B-74C3-F9216FC6BFC1}"/>
+              </a:ext>
+            </a:extLst>
+          </p:cNvPr>
+          <p:cNvSpPr txBox="1"/>
+          <p:nvPr/>
+        </p:nvSpPr>
+        <p:spPr>
+          <a:xfrm>
+            <a:off x="-67695" y="568047"/>
+            <a:ext cx="1908000" cy="215444"/>
+          </a:xfrm>
+          <a:prstGeom prst="rect">
+            <a:avLst/>
+          </a:prstGeom>
+          <a:noFill/>
+          <a:ln>
+            <a:noFill/>
+          </a:ln>
+        </p:spPr>
+        <p:txBody>
+          <a:bodyPr wrap="square" rtlCol="0">
+            <a:spAutoFit/>
+          </a:bodyPr>
+          <a:lstStyle/>
+          <a:p>
+            <a:r>
+              <a:rPr lang="en-US" sz="800" dirty="0">
+                <a:solidFill>
+                  <a:schemeClr val="tx1">
+                    <a:lumMod val="95000"/>
+                    <a:lumOff val="5000"/>
+                  </a:schemeClr>
+                </a:solidFill>
+                <a:latin typeface="Calibri Light" panose="020F0302020204030204" pitchFamily="34" charset="0"/>
+                <a:cs typeface="Calibri Light" panose="020F0302020204030204" pitchFamily="34" charset="0"/>
+              </a:rPr>
+              <a:t>a) short-range forecast (reanalysis)</a:t>
+            </a:r>
+            <a:endParaRPr lang="en-GB" sz="800" dirty="0">
+              <a:solidFill>
+                <a:schemeClr val="tx1">
+                  <a:lumMod val="95000"/>
+                  <a:lumOff val="5000"/>
+                </a:schemeClr>
+              </a:solidFill>
+              <a:latin typeface="Calibri Light" panose="020F0302020204030204" pitchFamily="34" charset="0"/>
+              <a:cs typeface="Calibri Light" panose="020F0302020204030204" pitchFamily="34" charset="0"/>
+            </a:endParaRPr>
+          </a:p>
+        </p:txBody>
+      </p:sp>
+      <p:sp>
+        <p:nvSpPr>
+          <p:cNvPr id="26" name="TextBox 25">
+            <a:extLst>
+              <a:ext uri="{FF2B5EF4-FFF2-40B4-BE49-F238E27FC236}">
+                <a16:creationId xmlns:a16="http://schemas.microsoft.com/office/drawing/2014/main" id="{46667C36-0CBE-9755-7F89-8AACC8E51FA9}"/>
+              </a:ext>
+            </a:extLst>
+          </p:cNvPr>
+          <p:cNvSpPr txBox="1"/>
+          <p:nvPr/>
+        </p:nvSpPr>
+        <p:spPr>
+          <a:xfrm>
+            <a:off x="-67695" y="2507068"/>
+            <a:ext cx="1908000" cy="215444"/>
+          </a:xfrm>
+          <a:prstGeom prst="rect">
+            <a:avLst/>
+          </a:prstGeom>
+          <a:noFill/>
+          <a:ln>
+            <a:noFill/>
+          </a:ln>
+        </p:spPr>
+        <p:txBody>
+          <a:bodyPr wrap="square" rtlCol="0">
+            <a:spAutoFit/>
+          </a:bodyPr>
+          <a:lstStyle/>
+          <a:p>
+            <a:r>
+              <a:rPr lang="en-US" sz="800" dirty="0">
+                <a:solidFill>
+                  <a:schemeClr val="tx1">
+                    <a:lumMod val="95000"/>
+                    <a:lumOff val="5000"/>
+                  </a:schemeClr>
+                </a:solidFill>
+                <a:latin typeface="Calibri Light" panose="020F0302020204030204" pitchFamily="34" charset="0"/>
+                <a:cs typeface="Calibri Light" panose="020F0302020204030204" pitchFamily="34" charset="0"/>
+              </a:rPr>
+              <a:t>c) long-range forecast (t+24,t+48)</a:t>
+            </a:r>
+            <a:endParaRPr lang="en-GB" sz="800" dirty="0">
+              <a:solidFill>
+                <a:schemeClr val="tx1">
+                  <a:lumMod val="95000"/>
+                  <a:lumOff val="5000"/>
+                </a:schemeClr>
+              </a:solidFill>
+              <a:latin typeface="Calibri Light" panose="020F0302020204030204" pitchFamily="34" charset="0"/>
+              <a:cs typeface="Calibri Light" panose="020F0302020204030204" pitchFamily="34" charset="0"/>
+            </a:endParaRPr>
+          </a:p>
+        </p:txBody>
+      </p:sp>
+      <p:sp>
+        <p:nvSpPr>
+          <p:cNvPr id="27" name="TextBox 26">
+            <a:extLst>
+              <a:ext uri="{FF2B5EF4-FFF2-40B4-BE49-F238E27FC236}">
+                <a16:creationId xmlns:a16="http://schemas.microsoft.com/office/drawing/2014/main" id="{F71E61F0-9840-9B7F-30F2-30B65396312F}"/>
+              </a:ext>
+            </a:extLst>
+          </p:cNvPr>
+          <p:cNvSpPr txBox="1"/>
+          <p:nvPr/>
+        </p:nvSpPr>
+        <p:spPr>
+          <a:xfrm>
+            <a:off x="-67695" y="4439241"/>
+            <a:ext cx="1908000" cy="215444"/>
+          </a:xfrm>
+          <a:prstGeom prst="rect">
+            <a:avLst/>
+          </a:prstGeom>
+          <a:noFill/>
+          <a:ln>
+            <a:noFill/>
+          </a:ln>
+        </p:spPr>
+        <p:txBody>
+          <a:bodyPr wrap="square" rtlCol="0">
+            <a:spAutoFit/>
+          </a:bodyPr>
+          <a:lstStyle/>
+          <a:p>
+            <a:r>
+              <a:rPr lang="en-US" sz="800" dirty="0">
+                <a:solidFill>
+                  <a:schemeClr val="tx1">
+                    <a:lumMod val="95000"/>
+                    <a:lumOff val="5000"/>
+                  </a:schemeClr>
+                </a:solidFill>
+                <a:latin typeface="Calibri Light" panose="020F0302020204030204" pitchFamily="34" charset="0"/>
+                <a:cs typeface="Calibri Light" panose="020F0302020204030204" pitchFamily="34" charset="0"/>
+              </a:rPr>
+              <a:t>e) long-range forecast (t+72,t+96)</a:t>
+            </a:r>
+            <a:endParaRPr lang="en-GB" sz="800" dirty="0">
+              <a:solidFill>
+                <a:schemeClr val="tx1">
+                  <a:lumMod val="95000"/>
+                  <a:lumOff val="5000"/>
+                </a:schemeClr>
+              </a:solidFill>
+              <a:latin typeface="Calibri Light" panose="020F0302020204030204" pitchFamily="34" charset="0"/>
+              <a:cs typeface="Calibri Light" panose="020F0302020204030204" pitchFamily="34" charset="0"/>
+            </a:endParaRPr>
+          </a:p>
+        </p:txBody>
+      </p:sp>
+      <p:sp>
+        <p:nvSpPr>
+          <p:cNvPr id="28" name="TextBox 27">
+            <a:extLst>
+              <a:ext uri="{FF2B5EF4-FFF2-40B4-BE49-F238E27FC236}">
+                <a16:creationId xmlns:a16="http://schemas.microsoft.com/office/drawing/2014/main" id="{CF1C25AE-D652-11A5-B5EC-F8165BE323FC}"/>
+              </a:ext>
+            </a:extLst>
+          </p:cNvPr>
+          <p:cNvSpPr txBox="1"/>
+          <p:nvPr/>
+        </p:nvSpPr>
+        <p:spPr>
+          <a:xfrm>
+            <a:off x="2168099" y="2506512"/>
+            <a:ext cx="1908000" cy="216000"/>
+          </a:xfrm>
+          <a:prstGeom prst="rect">
+            <a:avLst/>
+          </a:prstGeom>
+          <a:noFill/>
+          <a:ln>
+            <a:noFill/>
+          </a:ln>
+        </p:spPr>
+        <p:txBody>
+          <a:bodyPr wrap="square" rtlCol="0">
+            <a:spAutoFit/>
+          </a:bodyPr>
+          <a:lstStyle/>
+          <a:p>
+            <a:r>
+              <a:rPr lang="en-US" sz="800" dirty="0">
+                <a:solidFill>
+                  <a:schemeClr val="tx1">
+                    <a:lumMod val="95000"/>
+                    <a:lumOff val="5000"/>
+                  </a:schemeClr>
+                </a:solidFill>
+                <a:latin typeface="Calibri Light" panose="020F0302020204030204" pitchFamily="34" charset="0"/>
+                <a:cs typeface="Calibri Light" panose="020F0302020204030204" pitchFamily="34" charset="0"/>
+              </a:rPr>
+              <a:t>d) long-range forecast (t+48,t+72)</a:t>
+            </a:r>
+            <a:endParaRPr lang="en-GB" sz="800" dirty="0">
+              <a:solidFill>
+                <a:schemeClr val="tx1">
+                  <a:lumMod val="95000"/>
+                  <a:lumOff val="5000"/>
+                </a:schemeClr>
+              </a:solidFill>
+              <a:latin typeface="Calibri Light" panose="020F0302020204030204" pitchFamily="34" charset="0"/>
+              <a:cs typeface="Calibri Light" panose="020F0302020204030204" pitchFamily="34" charset="0"/>
+            </a:endParaRPr>
+          </a:p>
+        </p:txBody>
+      </p:sp>
+      <p:sp>
+        <p:nvSpPr>
+          <p:cNvPr id="29" name="TextBox 28">
+            <a:extLst>
+              <a:ext uri="{FF2B5EF4-FFF2-40B4-BE49-F238E27FC236}">
+                <a16:creationId xmlns:a16="http://schemas.microsoft.com/office/drawing/2014/main" id="{31F73A1B-3ADC-F2FE-4134-96AE95176977}"/>
+              </a:ext>
+            </a:extLst>
+          </p:cNvPr>
+          <p:cNvSpPr txBox="1"/>
+          <p:nvPr/>
+        </p:nvSpPr>
+        <p:spPr>
+          <a:xfrm>
+            <a:off x="2168099" y="4434319"/>
+            <a:ext cx="1908000" cy="216000"/>
+          </a:xfrm>
+          <a:prstGeom prst="rect">
+            <a:avLst/>
+          </a:prstGeom>
+          <a:noFill/>
+          <a:ln>
+            <a:noFill/>
+          </a:ln>
+        </p:spPr>
+        <p:txBody>
+          <a:bodyPr wrap="square" rtlCol="0">
+            <a:spAutoFit/>
+          </a:bodyPr>
+          <a:lstStyle/>
+          <a:p>
+            <a:r>
+              <a:rPr lang="en-US" sz="800" dirty="0">
+                <a:solidFill>
+                  <a:schemeClr val="tx1">
+                    <a:lumMod val="95000"/>
+                    <a:lumOff val="5000"/>
+                  </a:schemeClr>
+                </a:solidFill>
+                <a:latin typeface="Calibri Light" panose="020F0302020204030204" pitchFamily="34" charset="0"/>
+                <a:cs typeface="Calibri Light" panose="020F0302020204030204" pitchFamily="34" charset="0"/>
+              </a:rPr>
               <a:t>f) long-range forecast (t+96,t+120)</a:t>
+            </a:r>
+            <a:endParaRPr lang="en-GB" sz="800" dirty="0">
+              <a:solidFill>
+                <a:schemeClr val="tx1">
+                  <a:lumMod val="95000"/>
+                  <a:lumOff val="5000"/>
+                </a:schemeClr>
+              </a:solidFill>
+              <a:latin typeface="Calibri Light" panose="020F0302020204030204" pitchFamily="34" charset="0"/>
+              <a:cs typeface="Calibri Light" panose="020F0302020204030204" pitchFamily="34" charset="0"/>
+            </a:endParaRPr>
+          </a:p>
+        </p:txBody>
+      </p:sp>
+      <p:sp>
+        <p:nvSpPr>
+          <p:cNvPr id="30" name="TextBox 29">
+            <a:extLst>
+              <a:ext uri="{FF2B5EF4-FFF2-40B4-BE49-F238E27FC236}">
+                <a16:creationId xmlns:a16="http://schemas.microsoft.com/office/drawing/2014/main" id="{9CAEBC89-740E-B6AE-1664-60181017FDA9}"/>
+              </a:ext>
+            </a:extLst>
+          </p:cNvPr>
+          <p:cNvSpPr txBox="1"/>
+          <p:nvPr/>
+        </p:nvSpPr>
+        <p:spPr>
+          <a:xfrm>
+            <a:off x="1250693" y="383448"/>
+            <a:ext cx="1196419" cy="215444"/>
+          </a:xfrm>
+          <a:prstGeom prst="rect">
+            <a:avLst/>
+          </a:prstGeom>
+          <a:noFill/>
+          <a:ln>
+            <a:noFill/>
+          </a:ln>
+        </p:spPr>
+        <p:txBody>
+          <a:bodyPr wrap="square" rtlCol="0">
+            <a:spAutoFit/>
+          </a:bodyPr>
+          <a:lstStyle/>
+          <a:p>
+            <a:r>
+              <a:rPr lang="en-US" sz="800" dirty="0">
+                <a:solidFill>
+                  <a:schemeClr val="tx1">
+                    <a:lumMod val="95000"/>
+                    <a:lumOff val="5000"/>
+                  </a:schemeClr>
+                </a:solidFill>
+                <a:latin typeface="Calibri Light" panose="020F0302020204030204" pitchFamily="34" charset="0"/>
+                <a:cs typeface="Calibri Light" panose="020F0302020204030204" pitchFamily="34" charset="0"/>
+              </a:rPr>
+              <a:t>ROC curve</a:t>
+            </a:r>
+            <a:endParaRPr lang="en-GB" sz="800" dirty="0">
+              <a:solidFill>
+                <a:schemeClr val="tx1">
+                  <a:lumMod val="95000"/>
+                  <a:lumOff val="5000"/>
+                </a:schemeClr>
+              </a:solidFill>
+              <a:latin typeface="Calibri Light" panose="020F0302020204030204" pitchFamily="34" charset="0"/>
+              <a:cs typeface="Calibri Light" panose="020F0302020204030204" pitchFamily="34" charset="0"/>
+            </a:endParaRPr>
+          </a:p>
+        </p:txBody>
+      </p:sp>
+      <p:sp>
+        <p:nvSpPr>
+          <p:cNvPr id="31" name="Rectangle 30">
+            <a:extLst>
+              <a:ext uri="{FF2B5EF4-FFF2-40B4-BE49-F238E27FC236}">
+                <a16:creationId xmlns:a16="http://schemas.microsoft.com/office/drawing/2014/main" id="{A915B4F4-9555-239A-6644-707B5F75353A}"/>
+              </a:ext>
+            </a:extLst>
+          </p:cNvPr>
+          <p:cNvSpPr/>
+          <p:nvPr/>
+        </p:nvSpPr>
+        <p:spPr>
+          <a:xfrm>
+            <a:off x="1928821" y="446170"/>
+            <a:ext cx="360000" cy="90000"/>
+          </a:xfrm>
+          <a:prstGeom prst="rect">
+            <a:avLst/>
+          </a:prstGeom>
+          <a:solidFill>
+            <a:srgbClr val="DB0E37">
+              <a:alpha val="25000"/>
+            </a:srgbClr>
+          </a:solidFill>
+          <a:ln>
+            <a:noFill/>
+          </a:ln>
+        </p:spPr>
+        <p:style>
+          <a:lnRef idx="2">
+            <a:schemeClr val="accent1">
+              <a:shade val="15000"/>
+            </a:schemeClr>
+          </a:lnRef>
+          <a:fillRef idx="1">
+            <a:schemeClr val="accent1"/>
+          </a:fillRef>
+          <a:effectRef idx="0">
+            <a:schemeClr val="accent1"/>
+          </a:effectRef>
+          <a:fontRef idx="minor">
+            <a:schemeClr val="lt1"/>
+          </a:fontRef>
+        </p:style>
+        <p:txBody>
+          <a:bodyPr rtlCol="0" anchor="ctr"/>
+          <a:lstStyle/>
+          <a:p>
+            <a:pPr algn="ctr"/>
+            <a:r>
+              <a:rPr lang="en-US" dirty="0"/>
+              <a:t>.</a:t>
+            </a:r>
+            <a:endParaRPr lang="en-GB" dirty="0"/>
+          </a:p>
+        </p:txBody>
+      </p:sp>
+      <p:cxnSp>
+        <p:nvCxnSpPr>
+          <p:cNvPr id="32" name="Straight Connector 31">
+            <a:extLst>
+              <a:ext uri="{FF2B5EF4-FFF2-40B4-BE49-F238E27FC236}">
+                <a16:creationId xmlns:a16="http://schemas.microsoft.com/office/drawing/2014/main" id="{A10F3755-65FA-8268-88B6-1CBC42EFB7F8}"/>
+              </a:ext>
+            </a:extLst>
+          </p:cNvPr>
+          <p:cNvCxnSpPr>
+            <a:cxnSpLocks/>
+          </p:cNvCxnSpPr>
+          <p:nvPr/>
+        </p:nvCxnSpPr>
+        <p:spPr>
+          <a:xfrm>
+            <a:off x="954889" y="491170"/>
+            <a:ext cx="360000" cy="0"/>
+          </a:xfrm>
+          <a:prstGeom prst="line">
+            <a:avLst/>
+          </a:prstGeom>
+          <a:ln w="12700">
+            <a:solidFill>
+              <a:srgbClr val="DB0E37"/>
+            </a:solidFill>
+          </a:ln>
+        </p:spPr>
+        <p:style>
+          <a:lnRef idx="2">
+            <a:schemeClr val="accent1"/>
+          </a:lnRef>
+          <a:fillRef idx="0">
+            <a:schemeClr val="accent1"/>
+          </a:fillRef>
+          <a:effectRef idx="1">
+            <a:schemeClr val="accent1"/>
+          </a:effectRef>
+          <a:fontRef idx="minor">
+            <a:schemeClr val="tx1"/>
+          </a:fontRef>
+        </p:style>
+      </p:cxnSp>
+      <p:sp>
+        <p:nvSpPr>
+          <p:cNvPr id="33" name="TextBox 32">
+            <a:extLst>
+              <a:ext uri="{FF2B5EF4-FFF2-40B4-BE49-F238E27FC236}">
+                <a16:creationId xmlns:a16="http://schemas.microsoft.com/office/drawing/2014/main" id="{BDE5C9A9-3189-D01F-D799-FE5E444982DC}"/>
+              </a:ext>
+            </a:extLst>
+          </p:cNvPr>
+          <p:cNvSpPr txBox="1"/>
+          <p:nvPr/>
+        </p:nvSpPr>
+        <p:spPr>
+          <a:xfrm>
+            <a:off x="2227493" y="383448"/>
+            <a:ext cx="1196419" cy="215444"/>
+          </a:xfrm>
+          <a:prstGeom prst="rect">
+            <a:avLst/>
+          </a:prstGeom>
+          <a:noFill/>
+          <a:ln>
+            <a:noFill/>
+          </a:ln>
+        </p:spPr>
+        <p:txBody>
+          <a:bodyPr wrap="square" rtlCol="0">
+            <a:spAutoFit/>
+          </a:bodyPr>
+          <a:lstStyle/>
+          <a:p>
+            <a:r>
+              <a:rPr lang="en-US" sz="800" dirty="0">
+                <a:solidFill>
+                  <a:schemeClr val="tx1">
+                    <a:lumMod val="95000"/>
+                    <a:lumOff val="5000"/>
+                  </a:schemeClr>
+                </a:solidFill>
+                <a:latin typeface="Calibri Light" panose="020F0302020204030204" pitchFamily="34" charset="0"/>
+                <a:cs typeface="Calibri Light" panose="020F0302020204030204" pitchFamily="34" charset="0"/>
+              </a:rPr>
+              <a:t>99% confidence interval</a:t>
             </a:r>
             <a:endParaRPr lang="en-GB" sz="800" dirty="0">
               <a:solidFill>

--- a/chapter_05/figures/rainfall_based_ff_verif_breakdown_scores_roc_1rp.pptx
+++ b/chapter_05/figures/rainfall_based_ff_verif_breakdown_scores_roc_1rp.pptx
@@ -2,12 +2,12 @@
 <file path=ppt/presentation.xml><?xml version="1.0" encoding="utf-8"?>
 <p:presentation xmlns:a="http://schemas.openxmlformats.org/drawingml/2006/main" xmlns:r="http://schemas.openxmlformats.org/officeDocument/2006/relationships" xmlns:p="http://schemas.openxmlformats.org/presentationml/2006/main" saveSubsetFonts="1">
   <p:sldMasterIdLst>
-    <p:sldMasterId id="2147483660" r:id="rId1"/>
+    <p:sldMasterId id="2147483672" r:id="rId1"/>
   </p:sldMasterIdLst>
   <p:sldIdLst>
     <p:sldId id="256" r:id="rId2"/>
   </p:sldIdLst>
-  <p:sldSz cx="4140200" cy="6480175"/>
+  <p:sldSz cx="3725863" cy="6480175"/>
   <p:notesSz cx="6858000" cy="9144000"/>
   <p:defaultTextStyle>
     <a:defPPr>
@@ -115,7 +115,7 @@
 <file path=ppt/revisionInfo.xml><?xml version="1.0" encoding="utf-8"?>
 <p1510:revInfo xmlns:a="http://schemas.openxmlformats.org/drawingml/2006/main" xmlns:r="http://schemas.openxmlformats.org/officeDocument/2006/relationships" xmlns:p1510="http://schemas.microsoft.com/office/powerpoint/2015/10/main">
   <p1510:revLst>
-    <p1510:client id="{E0DE9FFC-A79A-49F3-A9EA-98D7366CA706}" v="31" dt="2025-05-24T17:32:42.938"/>
+    <p1510:client id="{E0DE9FFC-A79A-49F3-A9EA-98D7366CA706}" v="33" dt="2025-05-24T17:49:35.810"/>
   </p1510:revLst>
 </p1510:revInfo>
 </file>
@@ -125,22 +125,30 @@
   <pc:docChgLst>
     <pc:chgData name="Fatima Pillosu" userId="a6295d4dc9e22643" providerId="LiveId" clId="{E0DE9FFC-A79A-49F3-A9EA-98D7366CA706}"/>
     <pc:docChg chg="undo custSel addSld delSld modSld">
-      <pc:chgData name="Fatima Pillosu" userId="a6295d4dc9e22643" providerId="LiveId" clId="{E0DE9FFC-A79A-49F3-A9EA-98D7366CA706}" dt="2025-05-24T17:34:59.111" v="1222" actId="1036"/>
+      <pc:chgData name="Fatima Pillosu" userId="a6295d4dc9e22643" providerId="LiveId" clId="{E0DE9FFC-A79A-49F3-A9EA-98D7366CA706}" dt="2025-05-24T17:49:45.139" v="1294" actId="1037"/>
       <pc:docMkLst>
         <pc:docMk/>
       </pc:docMkLst>
       <pc:sldChg chg="addSp delSp modSp mod">
-        <pc:chgData name="Fatima Pillosu" userId="a6295d4dc9e22643" providerId="LiveId" clId="{E0DE9FFC-A79A-49F3-A9EA-98D7366CA706}" dt="2025-05-24T17:34:59.111" v="1222" actId="1036"/>
+        <pc:chgData name="Fatima Pillosu" userId="a6295d4dc9e22643" providerId="LiveId" clId="{E0DE9FFC-A79A-49F3-A9EA-98D7366CA706}" dt="2025-05-24T17:49:45.139" v="1294" actId="1037"/>
         <pc:sldMkLst>
           <pc:docMk/>
           <pc:sldMk cId="2001934226" sldId="256"/>
         </pc:sldMkLst>
-        <pc:spChg chg="add mod">
-          <ac:chgData name="Fatima Pillosu" userId="a6295d4dc9e22643" providerId="LiveId" clId="{E0DE9FFC-A79A-49F3-A9EA-98D7366CA706}" dt="2025-05-24T17:34:51.594" v="1219" actId="1037"/>
+        <pc:spChg chg="add del mod">
+          <ac:chgData name="Fatima Pillosu" userId="a6295d4dc9e22643" providerId="LiveId" clId="{E0DE9FFC-A79A-49F3-A9EA-98D7366CA706}" dt="2025-05-24T17:49:23.420" v="1275" actId="21"/>
           <ac:spMkLst>
             <pc:docMk/>
             <pc:sldMk cId="2001934226" sldId="256"/>
             <ac:spMk id="2" creationId="{1439338B-2360-F0B9-54B0-E0E8A3F764B5}"/>
+          </ac:spMkLst>
+        </pc:spChg>
+        <pc:spChg chg="add del">
+          <ac:chgData name="Fatima Pillosu" userId="a6295d4dc9e22643" providerId="LiveId" clId="{E0DE9FFC-A79A-49F3-A9EA-98D7366CA706}" dt="2025-05-24T17:49:22.002" v="1274" actId="478"/>
+          <ac:spMkLst>
+            <pc:docMk/>
+            <pc:sldMk cId="2001934226" sldId="256"/>
+            <ac:spMk id="3" creationId="{007DAE7C-127E-6D61-8838-C5B3AEB4EFC9}"/>
           </ac:spMkLst>
         </pc:spChg>
         <pc:spChg chg="add del mod">
@@ -175,64 +183,64 @@
             <ac:spMk id="8" creationId="{2E5BF72F-D121-7735-FB51-3A65FBC91D16}"/>
           </ac:spMkLst>
         </pc:spChg>
-        <pc:spChg chg="add mod">
-          <ac:chgData name="Fatima Pillosu" userId="a6295d4dc9e22643" providerId="LiveId" clId="{E0DE9FFC-A79A-49F3-A9EA-98D7366CA706}" dt="2025-05-24T17:33:23.660" v="1196" actId="1035"/>
+        <pc:spChg chg="add del mod">
+          <ac:chgData name="Fatima Pillosu" userId="a6295d4dc9e22643" providerId="LiveId" clId="{E0DE9FFC-A79A-49F3-A9EA-98D7366CA706}" dt="2025-05-24T17:49:23.420" v="1275" actId="21"/>
           <ac:spMkLst>
             <pc:docMk/>
             <pc:sldMk cId="2001934226" sldId="256"/>
             <ac:spMk id="10" creationId="{8B1F5955-FCB9-F344-7FF7-DF879384E574}"/>
           </ac:spMkLst>
         </pc:spChg>
-        <pc:spChg chg="add mod">
-          <ac:chgData name="Fatima Pillosu" userId="a6295d4dc9e22643" providerId="LiveId" clId="{E0DE9FFC-A79A-49F3-A9EA-98D7366CA706}" dt="2025-05-24T17:34:23.035" v="1214" actId="1036"/>
+        <pc:spChg chg="add del mod">
+          <ac:chgData name="Fatima Pillosu" userId="a6295d4dc9e22643" providerId="LiveId" clId="{E0DE9FFC-A79A-49F3-A9EA-98D7366CA706}" dt="2025-05-24T17:49:23.420" v="1275" actId="21"/>
           <ac:spMkLst>
             <pc:docMk/>
             <pc:sldMk cId="2001934226" sldId="256"/>
             <ac:spMk id="11" creationId="{A2A68CE5-3663-E3BA-5B16-FF1EBD5CAD67}"/>
           </ac:spMkLst>
         </pc:spChg>
-        <pc:spChg chg="add mod">
-          <ac:chgData name="Fatima Pillosu" userId="a6295d4dc9e22643" providerId="LiveId" clId="{E0DE9FFC-A79A-49F3-A9EA-98D7366CA706}" dt="2025-05-24T17:34:23.035" v="1214" actId="1036"/>
+        <pc:spChg chg="add del mod">
+          <ac:chgData name="Fatima Pillosu" userId="a6295d4dc9e22643" providerId="LiveId" clId="{E0DE9FFC-A79A-49F3-A9EA-98D7366CA706}" dt="2025-05-24T17:49:23.420" v="1275" actId="21"/>
           <ac:spMkLst>
             <pc:docMk/>
             <pc:sldMk cId="2001934226" sldId="256"/>
             <ac:spMk id="13" creationId="{0DD473FB-E495-B2CC-B0FF-A62B16673603}"/>
           </ac:spMkLst>
         </pc:spChg>
-        <pc:spChg chg="add mod">
-          <ac:chgData name="Fatima Pillosu" userId="a6295d4dc9e22643" providerId="LiveId" clId="{E0DE9FFC-A79A-49F3-A9EA-98D7366CA706}" dt="2025-05-24T17:26:11.111" v="925" actId="20577"/>
+        <pc:spChg chg="add del mod">
+          <ac:chgData name="Fatima Pillosu" userId="a6295d4dc9e22643" providerId="LiveId" clId="{E0DE9FFC-A79A-49F3-A9EA-98D7366CA706}" dt="2025-05-24T17:49:23.420" v="1275" actId="21"/>
           <ac:spMkLst>
             <pc:docMk/>
             <pc:sldMk cId="2001934226" sldId="256"/>
             <ac:spMk id="14" creationId="{44BA3302-BB3A-42E9-5A33-833C023D5C47}"/>
           </ac:spMkLst>
         </pc:spChg>
-        <pc:spChg chg="add mod">
-          <ac:chgData name="Fatima Pillosu" userId="a6295d4dc9e22643" providerId="LiveId" clId="{E0DE9FFC-A79A-49F3-A9EA-98D7366CA706}" dt="2025-05-24T17:26:29.278" v="941" actId="20577"/>
+        <pc:spChg chg="add del mod">
+          <ac:chgData name="Fatima Pillosu" userId="a6295d4dc9e22643" providerId="LiveId" clId="{E0DE9FFC-A79A-49F3-A9EA-98D7366CA706}" dt="2025-05-24T17:49:23.420" v="1275" actId="21"/>
           <ac:spMkLst>
             <pc:docMk/>
             <pc:sldMk cId="2001934226" sldId="256"/>
             <ac:spMk id="16" creationId="{FE152A2A-430B-C523-E1E8-2692C774555F}"/>
           </ac:spMkLst>
         </pc:spChg>
-        <pc:spChg chg="add mod">
-          <ac:chgData name="Fatima Pillosu" userId="a6295d4dc9e22643" providerId="LiveId" clId="{E0DE9FFC-A79A-49F3-A9EA-98D7366CA706}" dt="2025-05-24T16:32:18.459" v="683" actId="115"/>
+        <pc:spChg chg="add del mod">
+          <ac:chgData name="Fatima Pillosu" userId="a6295d4dc9e22643" providerId="LiveId" clId="{E0DE9FFC-A79A-49F3-A9EA-98D7366CA706}" dt="2025-05-24T17:49:23.420" v="1275" actId="21"/>
           <ac:spMkLst>
             <pc:docMk/>
             <pc:sldMk cId="2001934226" sldId="256"/>
             <ac:spMk id="17" creationId="{7D251682-B46D-DC7E-8C5E-59DFF1C27261}"/>
           </ac:spMkLst>
         </pc:spChg>
-        <pc:spChg chg="add mod">
-          <ac:chgData name="Fatima Pillosu" userId="a6295d4dc9e22643" providerId="LiveId" clId="{E0DE9FFC-A79A-49F3-A9EA-98D7366CA706}" dt="2025-05-24T17:33:23.660" v="1196" actId="1035"/>
+        <pc:spChg chg="add del mod">
+          <ac:chgData name="Fatima Pillosu" userId="a6295d4dc9e22643" providerId="LiveId" clId="{E0DE9FFC-A79A-49F3-A9EA-98D7366CA706}" dt="2025-05-24T17:49:23.420" v="1275" actId="21"/>
           <ac:spMkLst>
             <pc:docMk/>
             <pc:sldMk cId="2001934226" sldId="256"/>
             <ac:spMk id="18" creationId="{18F79773-A305-6943-D6AB-6A9BB374B2B4}"/>
           </ac:spMkLst>
         </pc:spChg>
-        <pc:spChg chg="add mod">
-          <ac:chgData name="Fatima Pillosu" userId="a6295d4dc9e22643" providerId="LiveId" clId="{E0DE9FFC-A79A-49F3-A9EA-98D7366CA706}" dt="2025-05-24T17:33:49.227" v="1200" actId="1036"/>
+        <pc:spChg chg="add del mod">
+          <ac:chgData name="Fatima Pillosu" userId="a6295d4dc9e22643" providerId="LiveId" clId="{E0DE9FFC-A79A-49F3-A9EA-98D7366CA706}" dt="2025-05-24T17:49:23.420" v="1275" actId="21"/>
           <ac:spMkLst>
             <pc:docMk/>
             <pc:sldMk cId="2001934226" sldId="256"/>
@@ -279,6 +287,22 @@
             <ac:spMk id="24" creationId="{728394F9-CAEC-DD34-1C7D-BCD4BEC3F436}"/>
           </ac:spMkLst>
         </pc:spChg>
+        <pc:spChg chg="add mod">
+          <ac:chgData name="Fatima Pillosu" userId="a6295d4dc9e22643" providerId="LiveId" clId="{E0DE9FFC-A79A-49F3-A9EA-98D7366CA706}" dt="2025-05-24T17:49:35.810" v="1276"/>
+          <ac:spMkLst>
+            <pc:docMk/>
+            <pc:sldMk cId="2001934226" sldId="256"/>
+            <ac:spMk id="24" creationId="{7D251682-B46D-DC7E-8C5E-59DFF1C27261}"/>
+          </ac:spMkLst>
+        </pc:spChg>
+        <pc:spChg chg="add mod">
+          <ac:chgData name="Fatima Pillosu" userId="a6295d4dc9e22643" providerId="LiveId" clId="{E0DE9FFC-A79A-49F3-A9EA-98D7366CA706}" dt="2025-05-24T17:49:35.810" v="1276"/>
+          <ac:spMkLst>
+            <pc:docMk/>
+            <pc:sldMk cId="2001934226" sldId="256"/>
+            <ac:spMk id="25" creationId="{18F79773-A305-6943-D6AB-6A9BB374B2B4}"/>
+          </ac:spMkLst>
+        </pc:spChg>
         <pc:spChg chg="add del mod">
           <ac:chgData name="Fatima Pillosu" userId="a6295d4dc9e22643" providerId="LiveId" clId="{E0DE9FFC-A79A-49F3-A9EA-98D7366CA706}" dt="2025-05-24T17:24:43.571" v="864" actId="478"/>
           <ac:spMkLst>
@@ -287,60 +311,172 @@
             <ac:spMk id="25" creationId="{FC832C13-787F-2152-898E-AA680DE9C99E}"/>
           </ac:spMkLst>
         </pc:spChg>
-        <pc:spChg chg="add mod">
-          <ac:chgData name="Fatima Pillosu" userId="a6295d4dc9e22643" providerId="LiveId" clId="{E0DE9FFC-A79A-49F3-A9EA-98D7366CA706}" dt="2025-05-24T17:33:56.230" v="1205" actId="1035"/>
+        <pc:spChg chg="add del mod">
+          <ac:chgData name="Fatima Pillosu" userId="a6295d4dc9e22643" providerId="LiveId" clId="{E0DE9FFC-A79A-49F3-A9EA-98D7366CA706}" dt="2025-05-24T17:49:23.420" v="1275" actId="21"/>
           <ac:spMkLst>
             <pc:docMk/>
             <pc:sldMk cId="2001934226" sldId="256"/>
             <ac:spMk id="26" creationId="{46667C36-0CBE-9755-7F89-8AACC8E51FA9}"/>
           </ac:spMkLst>
         </pc:spChg>
-        <pc:spChg chg="add mod">
-          <ac:chgData name="Fatima Pillosu" userId="a6295d4dc9e22643" providerId="LiveId" clId="{E0DE9FFC-A79A-49F3-A9EA-98D7366CA706}" dt="2025-05-24T17:34:01.439" v="1206" actId="1035"/>
+        <pc:spChg chg="add del mod">
+          <ac:chgData name="Fatima Pillosu" userId="a6295d4dc9e22643" providerId="LiveId" clId="{E0DE9FFC-A79A-49F3-A9EA-98D7366CA706}" dt="2025-05-24T17:49:23.420" v="1275" actId="21"/>
           <ac:spMkLst>
             <pc:docMk/>
             <pc:sldMk cId="2001934226" sldId="256"/>
             <ac:spMk id="27" creationId="{F71E61F0-9840-9B7F-30F2-30B65396312F}"/>
           </ac:spMkLst>
         </pc:spChg>
-        <pc:spChg chg="add mod">
-          <ac:chgData name="Fatima Pillosu" userId="a6295d4dc9e22643" providerId="LiveId" clId="{E0DE9FFC-A79A-49F3-A9EA-98D7366CA706}" dt="2025-05-24T17:34:51.594" v="1219" actId="1037"/>
+        <pc:spChg chg="add del mod">
+          <ac:chgData name="Fatima Pillosu" userId="a6295d4dc9e22643" providerId="LiveId" clId="{E0DE9FFC-A79A-49F3-A9EA-98D7366CA706}" dt="2025-05-24T17:49:23.420" v="1275" actId="21"/>
           <ac:spMkLst>
             <pc:docMk/>
             <pc:sldMk cId="2001934226" sldId="256"/>
             <ac:spMk id="28" creationId="{CF1C25AE-D652-11A5-B5EC-F8165BE323FC}"/>
           </ac:spMkLst>
         </pc:spChg>
-        <pc:spChg chg="add mod">
-          <ac:chgData name="Fatima Pillosu" userId="a6295d4dc9e22643" providerId="LiveId" clId="{E0DE9FFC-A79A-49F3-A9EA-98D7366CA706}" dt="2025-05-24T17:34:51.594" v="1219" actId="1037"/>
+        <pc:spChg chg="add del mod">
+          <ac:chgData name="Fatima Pillosu" userId="a6295d4dc9e22643" providerId="LiveId" clId="{E0DE9FFC-A79A-49F3-A9EA-98D7366CA706}" dt="2025-05-24T17:49:23.420" v="1275" actId="21"/>
           <ac:spMkLst>
             <pc:docMk/>
             <pc:sldMk cId="2001934226" sldId="256"/>
             <ac:spMk id="29" creationId="{31F73A1B-3ADC-F2FE-4134-96AE95176977}"/>
           </ac:spMkLst>
         </pc:spChg>
-        <pc:spChg chg="add mod">
-          <ac:chgData name="Fatima Pillosu" userId="a6295d4dc9e22643" providerId="LiveId" clId="{E0DE9FFC-A79A-49F3-A9EA-98D7366CA706}" dt="2025-05-24T17:34:59.111" v="1222" actId="1036"/>
+        <pc:spChg chg="add del mod">
+          <ac:chgData name="Fatima Pillosu" userId="a6295d4dc9e22643" providerId="LiveId" clId="{E0DE9FFC-A79A-49F3-A9EA-98D7366CA706}" dt="2025-05-24T17:49:23.420" v="1275" actId="21"/>
           <ac:spMkLst>
             <pc:docMk/>
             <pc:sldMk cId="2001934226" sldId="256"/>
             <ac:spMk id="30" creationId="{9CAEBC89-740E-B6AE-1664-60181017FDA9}"/>
           </ac:spMkLst>
         </pc:spChg>
-        <pc:spChg chg="add mod">
-          <ac:chgData name="Fatima Pillosu" userId="a6295d4dc9e22643" providerId="LiveId" clId="{E0DE9FFC-A79A-49F3-A9EA-98D7366CA706}" dt="2025-05-24T17:34:59.111" v="1222" actId="1036"/>
+        <pc:spChg chg="add del mod">
+          <ac:chgData name="Fatima Pillosu" userId="a6295d4dc9e22643" providerId="LiveId" clId="{E0DE9FFC-A79A-49F3-A9EA-98D7366CA706}" dt="2025-05-24T17:49:23.420" v="1275" actId="21"/>
           <ac:spMkLst>
             <pc:docMk/>
             <pc:sldMk cId="2001934226" sldId="256"/>
             <ac:spMk id="31" creationId="{A915B4F4-9555-239A-6644-707B5F75353A}"/>
           </ac:spMkLst>
         </pc:spChg>
+        <pc:spChg chg="add del mod">
+          <ac:chgData name="Fatima Pillosu" userId="a6295d4dc9e22643" providerId="LiveId" clId="{E0DE9FFC-A79A-49F3-A9EA-98D7366CA706}" dt="2025-05-24T17:49:23.420" v="1275" actId="21"/>
+          <ac:spMkLst>
+            <pc:docMk/>
+            <pc:sldMk cId="2001934226" sldId="256"/>
+            <ac:spMk id="33" creationId="{BDE5C9A9-3189-D01F-D799-FE5E444982DC}"/>
+          </ac:spMkLst>
+        </pc:spChg>
         <pc:spChg chg="add mod">
-          <ac:chgData name="Fatima Pillosu" userId="a6295d4dc9e22643" providerId="LiveId" clId="{E0DE9FFC-A79A-49F3-A9EA-98D7366CA706}" dt="2025-05-24T17:34:59.111" v="1222" actId="1036"/>
+          <ac:chgData name="Fatima Pillosu" userId="a6295d4dc9e22643" providerId="LiveId" clId="{E0DE9FFC-A79A-49F3-A9EA-98D7366CA706}" dt="2025-05-24T17:49:35.810" v="1276"/>
           <ac:spMkLst>
             <pc:docMk/>
             <pc:sldMk cId="2001934226" sldId="256"/>
-            <ac:spMk id="33" creationId="{BDE5C9A9-3189-D01F-D799-FE5E444982DC}"/>
+            <ac:spMk id="34" creationId="{1439338B-2360-F0B9-54B0-E0E8A3F764B5}"/>
+          </ac:spMkLst>
+        </pc:spChg>
+        <pc:spChg chg="add mod">
+          <ac:chgData name="Fatima Pillosu" userId="a6295d4dc9e22643" providerId="LiveId" clId="{E0DE9FFC-A79A-49F3-A9EA-98D7366CA706}" dt="2025-05-24T17:49:35.810" v="1276"/>
+          <ac:spMkLst>
+            <pc:docMk/>
+            <pc:sldMk cId="2001934226" sldId="256"/>
+            <ac:spMk id="35" creationId="{8B1F5955-FCB9-F344-7FF7-DF879384E574}"/>
+          </ac:spMkLst>
+        </pc:spChg>
+        <pc:spChg chg="add mod">
+          <ac:chgData name="Fatima Pillosu" userId="a6295d4dc9e22643" providerId="LiveId" clId="{E0DE9FFC-A79A-49F3-A9EA-98D7366CA706}" dt="2025-05-24T17:49:35.810" v="1276"/>
+          <ac:spMkLst>
+            <pc:docMk/>
+            <pc:sldMk cId="2001934226" sldId="256"/>
+            <ac:spMk id="36" creationId="{A2A68CE5-3663-E3BA-5B16-FF1EBD5CAD67}"/>
+          </ac:spMkLst>
+        </pc:spChg>
+        <pc:spChg chg="add mod">
+          <ac:chgData name="Fatima Pillosu" userId="a6295d4dc9e22643" providerId="LiveId" clId="{E0DE9FFC-A79A-49F3-A9EA-98D7366CA706}" dt="2025-05-24T17:49:35.810" v="1276"/>
+          <ac:spMkLst>
+            <pc:docMk/>
+            <pc:sldMk cId="2001934226" sldId="256"/>
+            <ac:spMk id="37" creationId="{0DD473FB-E495-B2CC-B0FF-A62B16673603}"/>
+          </ac:spMkLst>
+        </pc:spChg>
+        <pc:spChg chg="add mod">
+          <ac:chgData name="Fatima Pillosu" userId="a6295d4dc9e22643" providerId="LiveId" clId="{E0DE9FFC-A79A-49F3-A9EA-98D7366CA706}" dt="2025-05-24T17:49:35.810" v="1276"/>
+          <ac:spMkLst>
+            <pc:docMk/>
+            <pc:sldMk cId="2001934226" sldId="256"/>
+            <ac:spMk id="38" creationId="{44BA3302-BB3A-42E9-5A33-833C023D5C47}"/>
+          </ac:spMkLst>
+        </pc:spChg>
+        <pc:spChg chg="add mod">
+          <ac:chgData name="Fatima Pillosu" userId="a6295d4dc9e22643" providerId="LiveId" clId="{E0DE9FFC-A79A-49F3-A9EA-98D7366CA706}" dt="2025-05-24T17:49:35.810" v="1276"/>
+          <ac:spMkLst>
+            <pc:docMk/>
+            <pc:sldMk cId="2001934226" sldId="256"/>
+            <ac:spMk id="39" creationId="{FE152A2A-430B-C523-E1E8-2692C774555F}"/>
+          </ac:spMkLst>
+        </pc:spChg>
+        <pc:spChg chg="add mod">
+          <ac:chgData name="Fatima Pillosu" userId="a6295d4dc9e22643" providerId="LiveId" clId="{E0DE9FFC-A79A-49F3-A9EA-98D7366CA706}" dt="2025-05-24T17:49:35.810" v="1276"/>
+          <ac:spMkLst>
+            <pc:docMk/>
+            <pc:sldMk cId="2001934226" sldId="256"/>
+            <ac:spMk id="40" creationId="{812B84FE-6FFF-9B2B-74C3-F9216FC6BFC1}"/>
+          </ac:spMkLst>
+        </pc:spChg>
+        <pc:spChg chg="add mod">
+          <ac:chgData name="Fatima Pillosu" userId="a6295d4dc9e22643" providerId="LiveId" clId="{E0DE9FFC-A79A-49F3-A9EA-98D7366CA706}" dt="2025-05-24T17:49:35.810" v="1276"/>
+          <ac:spMkLst>
+            <pc:docMk/>
+            <pc:sldMk cId="2001934226" sldId="256"/>
+            <ac:spMk id="41" creationId="{46667C36-0CBE-9755-7F89-8AACC8E51FA9}"/>
+          </ac:spMkLst>
+        </pc:spChg>
+        <pc:spChg chg="add mod">
+          <ac:chgData name="Fatima Pillosu" userId="a6295d4dc9e22643" providerId="LiveId" clId="{E0DE9FFC-A79A-49F3-A9EA-98D7366CA706}" dt="2025-05-24T17:49:35.810" v="1276"/>
+          <ac:spMkLst>
+            <pc:docMk/>
+            <pc:sldMk cId="2001934226" sldId="256"/>
+            <ac:spMk id="42" creationId="{F71E61F0-9840-9B7F-30F2-30B65396312F}"/>
+          </ac:spMkLst>
+        </pc:spChg>
+        <pc:spChg chg="add mod">
+          <ac:chgData name="Fatima Pillosu" userId="a6295d4dc9e22643" providerId="LiveId" clId="{E0DE9FFC-A79A-49F3-A9EA-98D7366CA706}" dt="2025-05-24T17:49:35.810" v="1276"/>
+          <ac:spMkLst>
+            <pc:docMk/>
+            <pc:sldMk cId="2001934226" sldId="256"/>
+            <ac:spMk id="43" creationId="{CF1C25AE-D652-11A5-B5EC-F8165BE323FC}"/>
+          </ac:spMkLst>
+        </pc:spChg>
+        <pc:spChg chg="add mod">
+          <ac:chgData name="Fatima Pillosu" userId="a6295d4dc9e22643" providerId="LiveId" clId="{E0DE9FFC-A79A-49F3-A9EA-98D7366CA706}" dt="2025-05-24T17:49:35.810" v="1276"/>
+          <ac:spMkLst>
+            <pc:docMk/>
+            <pc:sldMk cId="2001934226" sldId="256"/>
+            <ac:spMk id="44" creationId="{31F73A1B-3ADC-F2FE-4134-96AE95176977}"/>
+          </ac:spMkLst>
+        </pc:spChg>
+        <pc:spChg chg="add mod">
+          <ac:chgData name="Fatima Pillosu" userId="a6295d4dc9e22643" providerId="LiveId" clId="{E0DE9FFC-A79A-49F3-A9EA-98D7366CA706}" dt="2025-05-24T17:49:45.139" v="1294" actId="1037"/>
+          <ac:spMkLst>
+            <pc:docMk/>
+            <pc:sldMk cId="2001934226" sldId="256"/>
+            <ac:spMk id="45" creationId="{9CAEBC89-740E-B6AE-1664-60181017FDA9}"/>
+          </ac:spMkLst>
+        </pc:spChg>
+        <pc:spChg chg="add mod">
+          <ac:chgData name="Fatima Pillosu" userId="a6295d4dc9e22643" providerId="LiveId" clId="{E0DE9FFC-A79A-49F3-A9EA-98D7366CA706}" dt="2025-05-24T17:49:45.139" v="1294" actId="1037"/>
+          <ac:spMkLst>
+            <pc:docMk/>
+            <pc:sldMk cId="2001934226" sldId="256"/>
+            <ac:spMk id="46" creationId="{A915B4F4-9555-239A-6644-707B5F75353A}"/>
+          </ac:spMkLst>
+        </pc:spChg>
+        <pc:spChg chg="add mod">
+          <ac:chgData name="Fatima Pillosu" userId="a6295d4dc9e22643" providerId="LiveId" clId="{E0DE9FFC-A79A-49F3-A9EA-98D7366CA706}" dt="2025-05-24T17:49:45.139" v="1294" actId="1037"/>
+          <ac:spMkLst>
+            <pc:docMk/>
+            <pc:sldMk cId="2001934226" sldId="256"/>
+            <ac:spMk id="48" creationId="{BDE5C9A9-3189-D01F-D799-FE5E444982DC}"/>
           </ac:spMkLst>
         </pc:spChg>
         <pc:picChg chg="add del mod modCrop">
@@ -352,11 +488,19 @@
           </ac:picMkLst>
         </pc:picChg>
         <pc:picChg chg="add del mod">
-          <ac:chgData name="Fatima Pillosu" userId="a6295d4dc9e22643" providerId="LiveId" clId="{E0DE9FFC-A79A-49F3-A9EA-98D7366CA706}" dt="2025-05-24T16:33:32.891" v="695" actId="21"/>
+          <ac:chgData name="Fatima Pillosu" userId="a6295d4dc9e22643" providerId="LiveId" clId="{E0DE9FFC-A79A-49F3-A9EA-98D7366CA706}" dt="2025-05-24T17:49:35.810" v="1276"/>
           <ac:picMkLst>
             <pc:docMk/>
             <pc:sldMk cId="2001934226" sldId="256"/>
             <ac:picMk id="4" creationId="{88D99402-A6F8-6200-075A-3580037CFB63}"/>
+          </ac:picMkLst>
+        </pc:picChg>
+        <pc:picChg chg="add mod">
+          <ac:chgData name="Fatima Pillosu" userId="a6295d4dc9e22643" providerId="LiveId" clId="{E0DE9FFC-A79A-49F3-A9EA-98D7366CA706}" dt="2025-05-24T17:49:35.810" v="1276"/>
+          <ac:picMkLst>
+            <pc:docMk/>
+            <pc:sldMk cId="2001934226" sldId="256"/>
+            <ac:picMk id="5" creationId="{418065AA-8313-1CC2-5EE1-9C56B8E0F973}"/>
           </ac:picMkLst>
         </pc:picChg>
         <pc:picChg chg="add del mod modCrop">
@@ -367,16 +511,16 @@
             <ac:picMk id="5" creationId="{87F9BF24-68CF-2FA5-E7E5-099E33460BC3}"/>
           </ac:picMkLst>
         </pc:picChg>
-        <pc:picChg chg="add mod ord modCrop">
-          <ac:chgData name="Fatima Pillosu" userId="a6295d4dc9e22643" providerId="LiveId" clId="{E0DE9FFC-A79A-49F3-A9EA-98D7366CA706}" dt="2025-05-24T17:33:23.660" v="1196" actId="1035"/>
+        <pc:picChg chg="add del mod ord modCrop">
+          <ac:chgData name="Fatima Pillosu" userId="a6295d4dc9e22643" providerId="LiveId" clId="{E0DE9FFC-A79A-49F3-A9EA-98D7366CA706}" dt="2025-05-24T17:49:23.420" v="1275" actId="21"/>
           <ac:picMkLst>
             <pc:docMk/>
             <pc:sldMk cId="2001934226" sldId="256"/>
             <ac:picMk id="6" creationId="{88D99402-A6F8-6200-075A-3580037CFB63}"/>
           </ac:picMkLst>
         </pc:picChg>
-        <pc:picChg chg="add mod ord modCrop">
-          <ac:chgData name="Fatima Pillosu" userId="a6295d4dc9e22643" providerId="LiveId" clId="{E0DE9FFC-A79A-49F3-A9EA-98D7366CA706}" dt="2025-05-24T17:33:23.660" v="1196" actId="1035"/>
+        <pc:picChg chg="add del mod ord modCrop">
+          <ac:chgData name="Fatima Pillosu" userId="a6295d4dc9e22643" providerId="LiveId" clId="{E0DE9FFC-A79A-49F3-A9EA-98D7366CA706}" dt="2025-05-24T17:49:23.420" v="1275" actId="21"/>
           <ac:picMkLst>
             <pc:docMk/>
             <pc:sldMk cId="2001934226" sldId="256"/>
@@ -391,6 +535,14 @@
             <ac:picMk id="7" creationId="{7EFF7F77-577C-D155-E720-34AB428482F6}"/>
           </ac:picMkLst>
         </pc:picChg>
+        <pc:picChg chg="add mod">
+          <ac:chgData name="Fatima Pillosu" userId="a6295d4dc9e22643" providerId="LiveId" clId="{E0DE9FFC-A79A-49F3-A9EA-98D7366CA706}" dt="2025-05-24T17:49:35.810" v="1276"/>
+          <ac:picMkLst>
+            <pc:docMk/>
+            <pc:sldMk cId="2001934226" sldId="256"/>
+            <ac:picMk id="8" creationId="{456425BC-5DD3-60EE-62D5-E50A05758999}"/>
+          </ac:picMkLst>
+        </pc:picChg>
         <pc:picChg chg="add del mod modCrop">
           <ac:chgData name="Fatima Pillosu" userId="a6295d4dc9e22643" providerId="LiveId" clId="{E0DE9FFC-A79A-49F3-A9EA-98D7366CA706}" dt="2025-05-24T16:28:53.094" v="577" actId="478"/>
           <ac:picMkLst>
@@ -399,8 +551,8 @@
             <ac:picMk id="8" creationId="{966DFB7E-2313-E3AE-0C7B-A9197A362F8F}"/>
           </ac:picMkLst>
         </pc:picChg>
-        <pc:picChg chg="add mod ord modCrop">
-          <ac:chgData name="Fatima Pillosu" userId="a6295d4dc9e22643" providerId="LiveId" clId="{E0DE9FFC-A79A-49F3-A9EA-98D7366CA706}" dt="2025-05-24T17:33:42.534" v="1198" actId="465"/>
+        <pc:picChg chg="add del mod ord modCrop">
+          <ac:chgData name="Fatima Pillosu" userId="a6295d4dc9e22643" providerId="LiveId" clId="{E0DE9FFC-A79A-49F3-A9EA-98D7366CA706}" dt="2025-05-24T17:49:23.420" v="1275" actId="21"/>
           <ac:picMkLst>
             <pc:docMk/>
             <pc:sldMk cId="2001934226" sldId="256"/>
@@ -423,8 +575,8 @@
             <ac:picMk id="11" creationId="{706AFC1D-A936-2CE0-E5A9-873BCA840FB1}"/>
           </ac:picMkLst>
         </pc:picChg>
-        <pc:picChg chg="add mod ord modCrop">
-          <ac:chgData name="Fatima Pillosu" userId="a6295d4dc9e22643" providerId="LiveId" clId="{E0DE9FFC-A79A-49F3-A9EA-98D7366CA706}" dt="2025-05-24T17:33:36.066" v="1197" actId="465"/>
+        <pc:picChg chg="add del mod ord modCrop">
+          <ac:chgData name="Fatima Pillosu" userId="a6295d4dc9e22643" providerId="LiveId" clId="{E0DE9FFC-A79A-49F3-A9EA-98D7366CA706}" dt="2025-05-24T17:49:23.420" v="1275" actId="21"/>
           <ac:picMkLst>
             <pc:docMk/>
             <pc:sldMk cId="2001934226" sldId="256"/>
@@ -447,8 +599,8 @@
             <ac:picMk id="15" creationId="{C59B432D-0D81-1D00-E1A2-EFBF8B1B92EC}"/>
           </ac:picMkLst>
         </pc:picChg>
-        <pc:picChg chg="add mod ord modCrop">
-          <ac:chgData name="Fatima Pillosu" userId="a6295d4dc9e22643" providerId="LiveId" clId="{E0DE9FFC-A79A-49F3-A9EA-98D7366CA706}" dt="2025-05-24T17:27:15.574" v="946" actId="732"/>
+        <pc:picChg chg="add del mod ord modCrop">
+          <ac:chgData name="Fatima Pillosu" userId="a6295d4dc9e22643" providerId="LiveId" clId="{E0DE9FFC-A79A-49F3-A9EA-98D7366CA706}" dt="2025-05-24T17:49:23.420" v="1275" actId="21"/>
           <ac:picMkLst>
             <pc:docMk/>
             <pc:sldMk cId="2001934226" sldId="256"/>
@@ -471,12 +623,36 @@
             <ac:picMk id="19" creationId="{2A46B08F-D5EF-8DA6-EE9C-D7579C9F85A6}"/>
           </ac:picMkLst>
         </pc:picChg>
-        <pc:picChg chg="add mod ord modCrop">
-          <ac:chgData name="Fatima Pillosu" userId="a6295d4dc9e22643" providerId="LiveId" clId="{E0DE9FFC-A79A-49F3-A9EA-98D7366CA706}" dt="2025-05-24T17:27:19.860" v="947" actId="732"/>
+        <pc:picChg chg="add del mod ord modCrop">
+          <ac:chgData name="Fatima Pillosu" userId="a6295d4dc9e22643" providerId="LiveId" clId="{E0DE9FFC-A79A-49F3-A9EA-98D7366CA706}" dt="2025-05-24T17:49:23.420" v="1275" actId="21"/>
           <ac:picMkLst>
             <pc:docMk/>
             <pc:sldMk cId="2001934226" sldId="256"/>
             <ac:picMk id="20" creationId="{60C6E82B-7081-61AF-D5FA-746E2FCF6AF4}"/>
+          </ac:picMkLst>
+        </pc:picChg>
+        <pc:picChg chg="add mod">
+          <ac:chgData name="Fatima Pillosu" userId="a6295d4dc9e22643" providerId="LiveId" clId="{E0DE9FFC-A79A-49F3-A9EA-98D7366CA706}" dt="2025-05-24T17:49:35.810" v="1276"/>
+          <ac:picMkLst>
+            <pc:docMk/>
+            <pc:sldMk cId="2001934226" sldId="256"/>
+            <ac:picMk id="21" creationId="{364666C4-F3CA-09A7-7F4A-4F7FA0193F5F}"/>
+          </ac:picMkLst>
+        </pc:picChg>
+        <pc:picChg chg="add mod">
+          <ac:chgData name="Fatima Pillosu" userId="a6295d4dc9e22643" providerId="LiveId" clId="{E0DE9FFC-A79A-49F3-A9EA-98D7366CA706}" dt="2025-05-24T17:49:35.810" v="1276"/>
+          <ac:picMkLst>
+            <pc:docMk/>
+            <pc:sldMk cId="2001934226" sldId="256"/>
+            <ac:picMk id="22" creationId="{F8264153-7720-42A1-AED4-320543208D7A}"/>
+          </ac:picMkLst>
+        </pc:picChg>
+        <pc:picChg chg="add mod">
+          <ac:chgData name="Fatima Pillosu" userId="a6295d4dc9e22643" providerId="LiveId" clId="{E0DE9FFC-A79A-49F3-A9EA-98D7366CA706}" dt="2025-05-24T17:49:35.810" v="1276"/>
+          <ac:picMkLst>
+            <pc:docMk/>
+            <pc:sldMk cId="2001934226" sldId="256"/>
+            <ac:picMk id="23" creationId="{60C6E82B-7081-61AF-D5FA-746E2FCF6AF4}"/>
           </ac:picMkLst>
         </pc:picChg>
         <pc:picChg chg="del">
@@ -495,12 +671,20 @@
             <ac:picMk id="31" creationId="{B5A40F9E-D06D-BAAD-8AC4-62AA22C0C9FE}"/>
           </ac:picMkLst>
         </pc:picChg>
+        <pc:cxnChg chg="add del mod">
+          <ac:chgData name="Fatima Pillosu" userId="a6295d4dc9e22643" providerId="LiveId" clId="{E0DE9FFC-A79A-49F3-A9EA-98D7366CA706}" dt="2025-05-24T17:49:23.420" v="1275" actId="21"/>
+          <ac:cxnSpMkLst>
+            <pc:docMk/>
+            <pc:sldMk cId="2001934226" sldId="256"/>
+            <ac:cxnSpMk id="32" creationId="{A10F3755-65FA-8268-88B6-1CBC42EFB7F8}"/>
+          </ac:cxnSpMkLst>
+        </pc:cxnChg>
         <pc:cxnChg chg="add mod">
-          <ac:chgData name="Fatima Pillosu" userId="a6295d4dc9e22643" providerId="LiveId" clId="{E0DE9FFC-A79A-49F3-A9EA-98D7366CA706}" dt="2025-05-24T17:34:59.111" v="1222" actId="1036"/>
+          <ac:chgData name="Fatima Pillosu" userId="a6295d4dc9e22643" providerId="LiveId" clId="{E0DE9FFC-A79A-49F3-A9EA-98D7366CA706}" dt="2025-05-24T17:49:45.139" v="1294" actId="1037"/>
           <ac:cxnSpMkLst>
             <pc:docMk/>
             <pc:sldMk cId="2001934226" sldId="256"/>
-            <ac:cxnSpMk id="32" creationId="{A10F3755-65FA-8268-88B6-1CBC42EFB7F8}"/>
+            <ac:cxnSpMk id="47" creationId="{A10F3755-65FA-8268-88B6-1CBC42EFB7F8}"/>
           </ac:cxnSpMkLst>
         </pc:cxnChg>
       </pc:sldChg>
@@ -713,15 +897,15 @@
         </p:nvSpPr>
         <p:spPr>
           <a:xfrm>
-            <a:off x="310515" y="1060529"/>
-            <a:ext cx="3519170" cy="2256061"/>
+            <a:off x="279440" y="1060529"/>
+            <a:ext cx="3166984" cy="2256061"/>
           </a:xfrm>
         </p:spPr>
         <p:txBody>
           <a:bodyPr anchor="b"/>
           <a:lstStyle>
             <a:lvl1pPr algn="ctr">
-              <a:defRPr sz="2717"/>
+              <a:defRPr sz="2445"/>
             </a:lvl1pPr>
           </a:lstStyle>
           <a:p>
@@ -745,8 +929,8 @@
         </p:nvSpPr>
         <p:spPr>
           <a:xfrm>
-            <a:off x="517525" y="3403592"/>
-            <a:ext cx="3105150" cy="1564542"/>
+            <a:off x="465733" y="3403592"/>
+            <a:ext cx="2794397" cy="1564542"/>
           </a:xfrm>
         </p:spPr>
         <p:txBody>
@@ -754,39 +938,39 @@
           <a:lstStyle>
             <a:lvl1pPr marL="0" indent="0" algn="ctr">
               <a:buNone/>
-              <a:defRPr sz="1087"/>
+              <a:defRPr sz="978"/>
             </a:lvl1pPr>
-            <a:lvl2pPr marL="207020" indent="0" algn="ctr">
-              <a:buNone/>
-              <a:defRPr sz="906"/>
+            <a:lvl2pPr marL="186309" indent="0" algn="ctr">
+              <a:buNone/>
+              <a:defRPr sz="815"/>
             </a:lvl2pPr>
-            <a:lvl3pPr marL="414040" indent="0" algn="ctr">
-              <a:buNone/>
-              <a:defRPr sz="815"/>
+            <a:lvl3pPr marL="372618" indent="0" algn="ctr">
+              <a:buNone/>
+              <a:defRPr sz="734"/>
             </a:lvl3pPr>
-            <a:lvl4pPr marL="621060" indent="0" algn="ctr">
-              <a:buNone/>
-              <a:defRPr sz="724"/>
+            <a:lvl4pPr marL="558927" indent="0" algn="ctr">
+              <a:buNone/>
+              <a:defRPr sz="652"/>
             </a:lvl4pPr>
-            <a:lvl5pPr marL="828081" indent="0" algn="ctr">
-              <a:buNone/>
-              <a:defRPr sz="724"/>
+            <a:lvl5pPr marL="745236" indent="0" algn="ctr">
+              <a:buNone/>
+              <a:defRPr sz="652"/>
             </a:lvl5pPr>
-            <a:lvl6pPr marL="1035101" indent="0" algn="ctr">
-              <a:buNone/>
-              <a:defRPr sz="724"/>
+            <a:lvl6pPr marL="931545" indent="0" algn="ctr">
+              <a:buNone/>
+              <a:defRPr sz="652"/>
             </a:lvl6pPr>
-            <a:lvl7pPr marL="1242121" indent="0" algn="ctr">
-              <a:buNone/>
-              <a:defRPr sz="724"/>
+            <a:lvl7pPr marL="1117854" indent="0" algn="ctr">
+              <a:buNone/>
+              <a:defRPr sz="652"/>
             </a:lvl7pPr>
-            <a:lvl8pPr marL="1449141" indent="0" algn="ctr">
-              <a:buNone/>
-              <a:defRPr sz="724"/>
+            <a:lvl8pPr marL="1304163" indent="0" algn="ctr">
+              <a:buNone/>
+              <a:defRPr sz="652"/>
             </a:lvl8pPr>
-            <a:lvl9pPr marL="1656161" indent="0" algn="ctr">
-              <a:buNone/>
-              <a:defRPr sz="724"/>
+            <a:lvl9pPr marL="1490472" indent="0" algn="ctr">
+              <a:buNone/>
+              <a:defRPr sz="652"/>
             </a:lvl9pPr>
           </a:lstStyle>
           <a:p>
@@ -866,7 +1050,7 @@
     </p:spTree>
     <p:extLst>
       <p:ext uri="{BB962C8B-B14F-4D97-AF65-F5344CB8AC3E}">
-        <p14:creationId xmlns:p14="http://schemas.microsoft.com/office/powerpoint/2010/main" val="2401361599"/>
+        <p14:creationId xmlns:p14="http://schemas.microsoft.com/office/powerpoint/2010/main" val="2061967342"/>
       </p:ext>
     </p:extLst>
   </p:cSld>
@@ -1036,7 +1220,7 @@
     </p:spTree>
     <p:extLst>
       <p:ext uri="{BB962C8B-B14F-4D97-AF65-F5344CB8AC3E}">
-        <p14:creationId xmlns:p14="http://schemas.microsoft.com/office/powerpoint/2010/main" val="698188246"/>
+        <p14:creationId xmlns:p14="http://schemas.microsoft.com/office/powerpoint/2010/main" val="2733107358"/>
       </p:ext>
     </p:extLst>
   </p:cSld>
@@ -1075,8 +1259,8 @@
         </p:nvSpPr>
         <p:spPr>
           <a:xfrm>
-            <a:off x="2962831" y="345009"/>
-            <a:ext cx="892731" cy="5491649"/>
+            <a:off x="2666321" y="345009"/>
+            <a:ext cx="803389" cy="5491649"/>
           </a:xfrm>
         </p:spPr>
         <p:txBody>
@@ -1103,8 +1287,8 @@
         </p:nvSpPr>
         <p:spPr>
           <a:xfrm>
-            <a:off x="284639" y="345009"/>
-            <a:ext cx="2626439" cy="5491649"/>
+            <a:off x="256153" y="345009"/>
+            <a:ext cx="2363594" cy="5491649"/>
           </a:xfrm>
         </p:spPr>
         <p:txBody>
@@ -1216,7 +1400,7 @@
     </p:spTree>
     <p:extLst>
       <p:ext uri="{BB962C8B-B14F-4D97-AF65-F5344CB8AC3E}">
-        <p14:creationId xmlns:p14="http://schemas.microsoft.com/office/powerpoint/2010/main" val="4077201378"/>
+        <p14:creationId xmlns:p14="http://schemas.microsoft.com/office/powerpoint/2010/main" val="534808791"/>
       </p:ext>
     </p:extLst>
   </p:cSld>
@@ -1386,7 +1570,7 @@
     </p:spTree>
     <p:extLst>
       <p:ext uri="{BB962C8B-B14F-4D97-AF65-F5344CB8AC3E}">
-        <p14:creationId xmlns:p14="http://schemas.microsoft.com/office/powerpoint/2010/main" val="3581467452"/>
+        <p14:creationId xmlns:p14="http://schemas.microsoft.com/office/powerpoint/2010/main" val="3602615540"/>
       </p:ext>
     </p:extLst>
   </p:cSld>
@@ -1425,15 +1609,15 @@
         </p:nvSpPr>
         <p:spPr>
           <a:xfrm>
-            <a:off x="282482" y="1615546"/>
-            <a:ext cx="3570923" cy="2695572"/>
+            <a:off x="254213" y="1615546"/>
+            <a:ext cx="3213557" cy="2695572"/>
           </a:xfrm>
         </p:spPr>
         <p:txBody>
           <a:bodyPr anchor="b"/>
           <a:lstStyle>
             <a:lvl1pPr>
-              <a:defRPr sz="2717"/>
+              <a:defRPr sz="2445"/>
             </a:lvl1pPr>
           </a:lstStyle>
           <a:p>
@@ -1457,8 +1641,8 @@
         </p:nvSpPr>
         <p:spPr>
           <a:xfrm>
-            <a:off x="282482" y="4336619"/>
-            <a:ext cx="3570923" cy="1417538"/>
+            <a:off x="254213" y="4336619"/>
+            <a:ext cx="3213557" cy="1417538"/>
           </a:xfrm>
         </p:spPr>
         <p:txBody>
@@ -1466,7 +1650,7 @@
           <a:lstStyle>
             <a:lvl1pPr marL="0" indent="0">
               <a:buNone/>
-              <a:defRPr sz="1087">
+              <a:defRPr sz="978">
                 <a:solidFill>
                   <a:schemeClr val="tx1">
                     <a:tint val="82000"/>
@@ -1474,9 +1658,9 @@
                 </a:solidFill>
               </a:defRPr>
             </a:lvl1pPr>
-            <a:lvl2pPr marL="207020" indent="0">
-              <a:buNone/>
-              <a:defRPr sz="906">
+            <a:lvl2pPr marL="186309" indent="0">
+              <a:buNone/>
+              <a:defRPr sz="815">
                 <a:solidFill>
                   <a:schemeClr val="tx1">
                     <a:tint val="82000"/>
@@ -1484,9 +1668,9 @@
                 </a:solidFill>
               </a:defRPr>
             </a:lvl2pPr>
-            <a:lvl3pPr marL="414040" indent="0">
-              <a:buNone/>
-              <a:defRPr sz="815">
+            <a:lvl3pPr marL="372618" indent="0">
+              <a:buNone/>
+              <a:defRPr sz="734">
                 <a:solidFill>
                   <a:schemeClr val="tx1">
                     <a:tint val="82000"/>
@@ -1494,9 +1678,9 @@
                 </a:solidFill>
               </a:defRPr>
             </a:lvl3pPr>
-            <a:lvl4pPr marL="621060" indent="0">
-              <a:buNone/>
-              <a:defRPr sz="724">
+            <a:lvl4pPr marL="558927" indent="0">
+              <a:buNone/>
+              <a:defRPr sz="652">
                 <a:solidFill>
                   <a:schemeClr val="tx1">
                     <a:tint val="82000"/>
@@ -1504,9 +1688,9 @@
                 </a:solidFill>
               </a:defRPr>
             </a:lvl4pPr>
-            <a:lvl5pPr marL="828081" indent="0">
-              <a:buNone/>
-              <a:defRPr sz="724">
+            <a:lvl5pPr marL="745236" indent="0">
+              <a:buNone/>
+              <a:defRPr sz="652">
                 <a:solidFill>
                   <a:schemeClr val="tx1">
                     <a:tint val="82000"/>
@@ -1514,9 +1698,9 @@
                 </a:solidFill>
               </a:defRPr>
             </a:lvl5pPr>
-            <a:lvl6pPr marL="1035101" indent="0">
-              <a:buNone/>
-              <a:defRPr sz="724">
+            <a:lvl6pPr marL="931545" indent="0">
+              <a:buNone/>
+              <a:defRPr sz="652">
                 <a:solidFill>
                   <a:schemeClr val="tx1">
                     <a:tint val="82000"/>
@@ -1524,9 +1708,9 @@
                 </a:solidFill>
               </a:defRPr>
             </a:lvl6pPr>
-            <a:lvl7pPr marL="1242121" indent="0">
-              <a:buNone/>
-              <a:defRPr sz="724">
+            <a:lvl7pPr marL="1117854" indent="0">
+              <a:buNone/>
+              <a:defRPr sz="652">
                 <a:solidFill>
                   <a:schemeClr val="tx1">
                     <a:tint val="82000"/>
@@ -1534,9 +1718,9 @@
                 </a:solidFill>
               </a:defRPr>
             </a:lvl7pPr>
-            <a:lvl8pPr marL="1449141" indent="0">
-              <a:buNone/>
-              <a:defRPr sz="724">
+            <a:lvl8pPr marL="1304163" indent="0">
+              <a:buNone/>
+              <a:defRPr sz="652">
                 <a:solidFill>
                   <a:schemeClr val="tx1">
                     <a:tint val="82000"/>
@@ -1544,9 +1728,9 @@
                 </a:solidFill>
               </a:defRPr>
             </a:lvl8pPr>
-            <a:lvl9pPr marL="1656161" indent="0">
-              <a:buNone/>
-              <a:defRPr sz="724">
+            <a:lvl9pPr marL="1490472" indent="0">
+              <a:buNone/>
+              <a:defRPr sz="652">
                 <a:solidFill>
                   <a:schemeClr val="tx1">
                     <a:tint val="82000"/>
@@ -1632,7 +1816,7 @@
     </p:spTree>
     <p:extLst>
       <p:ext uri="{BB962C8B-B14F-4D97-AF65-F5344CB8AC3E}">
-        <p14:creationId xmlns:p14="http://schemas.microsoft.com/office/powerpoint/2010/main" val="1702375598"/>
+        <p14:creationId xmlns:p14="http://schemas.microsoft.com/office/powerpoint/2010/main" val="4198270125"/>
       </p:ext>
     </p:extLst>
   </p:cSld>
@@ -1694,8 +1878,8 @@
         </p:nvSpPr>
         <p:spPr>
           <a:xfrm>
-            <a:off x="284639" y="1725046"/>
-            <a:ext cx="1759585" cy="4111612"/>
+            <a:off x="256153" y="1725046"/>
+            <a:ext cx="1583492" cy="4111612"/>
           </a:xfrm>
         </p:spPr>
         <p:txBody>
@@ -1751,8 +1935,8 @@
         </p:nvSpPr>
         <p:spPr>
           <a:xfrm>
-            <a:off x="2095976" y="1725046"/>
-            <a:ext cx="1759585" cy="4111612"/>
+            <a:off x="1886218" y="1725046"/>
+            <a:ext cx="1583492" cy="4111612"/>
           </a:xfrm>
         </p:spPr>
         <p:txBody>
@@ -1864,7 +2048,7 @@
     </p:spTree>
     <p:extLst>
       <p:ext uri="{BB962C8B-B14F-4D97-AF65-F5344CB8AC3E}">
-        <p14:creationId xmlns:p14="http://schemas.microsoft.com/office/powerpoint/2010/main" val="2382344335"/>
+        <p14:creationId xmlns:p14="http://schemas.microsoft.com/office/powerpoint/2010/main" val="2185048373"/>
       </p:ext>
     </p:extLst>
   </p:cSld>
@@ -1903,8 +2087,8 @@
         </p:nvSpPr>
         <p:spPr>
           <a:xfrm>
-            <a:off x="285178" y="345011"/>
-            <a:ext cx="3570923" cy="1252534"/>
+            <a:off x="256638" y="345011"/>
+            <a:ext cx="3213557" cy="1252534"/>
           </a:xfrm>
         </p:spPr>
         <p:txBody>
@@ -1931,8 +2115,8 @@
         </p:nvSpPr>
         <p:spPr>
           <a:xfrm>
-            <a:off x="285179" y="1588543"/>
-            <a:ext cx="1751498" cy="778521"/>
+            <a:off x="256639" y="1588543"/>
+            <a:ext cx="1576214" cy="778521"/>
           </a:xfrm>
         </p:spPr>
         <p:txBody>
@@ -1940,39 +2124,39 @@
           <a:lstStyle>
             <a:lvl1pPr marL="0" indent="0">
               <a:buNone/>
-              <a:defRPr sz="1087" b="1"/>
+              <a:defRPr sz="978" b="1"/>
             </a:lvl1pPr>
-            <a:lvl2pPr marL="207020" indent="0">
-              <a:buNone/>
-              <a:defRPr sz="906" b="1"/>
+            <a:lvl2pPr marL="186309" indent="0">
+              <a:buNone/>
+              <a:defRPr sz="815" b="1"/>
             </a:lvl2pPr>
-            <a:lvl3pPr marL="414040" indent="0">
-              <a:buNone/>
-              <a:defRPr sz="815" b="1"/>
+            <a:lvl3pPr marL="372618" indent="0">
+              <a:buNone/>
+              <a:defRPr sz="734" b="1"/>
             </a:lvl3pPr>
-            <a:lvl4pPr marL="621060" indent="0">
-              <a:buNone/>
-              <a:defRPr sz="724" b="1"/>
+            <a:lvl4pPr marL="558927" indent="0">
+              <a:buNone/>
+              <a:defRPr sz="652" b="1"/>
             </a:lvl4pPr>
-            <a:lvl5pPr marL="828081" indent="0">
-              <a:buNone/>
-              <a:defRPr sz="724" b="1"/>
+            <a:lvl5pPr marL="745236" indent="0">
+              <a:buNone/>
+              <a:defRPr sz="652" b="1"/>
             </a:lvl5pPr>
-            <a:lvl6pPr marL="1035101" indent="0">
-              <a:buNone/>
-              <a:defRPr sz="724" b="1"/>
+            <a:lvl6pPr marL="931545" indent="0">
+              <a:buNone/>
+              <a:defRPr sz="652" b="1"/>
             </a:lvl6pPr>
-            <a:lvl7pPr marL="1242121" indent="0">
-              <a:buNone/>
-              <a:defRPr sz="724" b="1"/>
+            <a:lvl7pPr marL="1117854" indent="0">
+              <a:buNone/>
+              <a:defRPr sz="652" b="1"/>
             </a:lvl7pPr>
-            <a:lvl8pPr marL="1449141" indent="0">
-              <a:buNone/>
-              <a:defRPr sz="724" b="1"/>
+            <a:lvl8pPr marL="1304163" indent="0">
+              <a:buNone/>
+              <a:defRPr sz="652" b="1"/>
             </a:lvl8pPr>
-            <a:lvl9pPr marL="1656161" indent="0">
-              <a:buNone/>
-              <a:defRPr sz="724" b="1"/>
+            <a:lvl9pPr marL="1490472" indent="0">
+              <a:buNone/>
+              <a:defRPr sz="652" b="1"/>
             </a:lvl9pPr>
           </a:lstStyle>
           <a:p>
@@ -1996,8 +2180,8 @@
         </p:nvSpPr>
         <p:spPr>
           <a:xfrm>
-            <a:off x="285179" y="2367064"/>
-            <a:ext cx="1751498" cy="3481594"/>
+            <a:off x="256639" y="2367064"/>
+            <a:ext cx="1576214" cy="3481594"/>
           </a:xfrm>
         </p:spPr>
         <p:txBody>
@@ -2053,8 +2237,8 @@
         </p:nvSpPr>
         <p:spPr>
           <a:xfrm>
-            <a:off x="2095977" y="1588543"/>
-            <a:ext cx="1760124" cy="778521"/>
+            <a:off x="1886218" y="1588543"/>
+            <a:ext cx="1583977" cy="778521"/>
           </a:xfrm>
         </p:spPr>
         <p:txBody>
@@ -2062,39 +2246,39 @@
           <a:lstStyle>
             <a:lvl1pPr marL="0" indent="0">
               <a:buNone/>
-              <a:defRPr sz="1087" b="1"/>
+              <a:defRPr sz="978" b="1"/>
             </a:lvl1pPr>
-            <a:lvl2pPr marL="207020" indent="0">
-              <a:buNone/>
-              <a:defRPr sz="906" b="1"/>
+            <a:lvl2pPr marL="186309" indent="0">
+              <a:buNone/>
+              <a:defRPr sz="815" b="1"/>
             </a:lvl2pPr>
-            <a:lvl3pPr marL="414040" indent="0">
-              <a:buNone/>
-              <a:defRPr sz="815" b="1"/>
+            <a:lvl3pPr marL="372618" indent="0">
+              <a:buNone/>
+              <a:defRPr sz="734" b="1"/>
             </a:lvl3pPr>
-            <a:lvl4pPr marL="621060" indent="0">
-              <a:buNone/>
-              <a:defRPr sz="724" b="1"/>
+            <a:lvl4pPr marL="558927" indent="0">
+              <a:buNone/>
+              <a:defRPr sz="652" b="1"/>
             </a:lvl4pPr>
-            <a:lvl5pPr marL="828081" indent="0">
-              <a:buNone/>
-              <a:defRPr sz="724" b="1"/>
+            <a:lvl5pPr marL="745236" indent="0">
+              <a:buNone/>
+              <a:defRPr sz="652" b="1"/>
             </a:lvl5pPr>
-            <a:lvl6pPr marL="1035101" indent="0">
-              <a:buNone/>
-              <a:defRPr sz="724" b="1"/>
+            <a:lvl6pPr marL="931545" indent="0">
+              <a:buNone/>
+              <a:defRPr sz="652" b="1"/>
             </a:lvl6pPr>
-            <a:lvl7pPr marL="1242121" indent="0">
-              <a:buNone/>
-              <a:defRPr sz="724" b="1"/>
+            <a:lvl7pPr marL="1117854" indent="0">
+              <a:buNone/>
+              <a:defRPr sz="652" b="1"/>
             </a:lvl7pPr>
-            <a:lvl8pPr marL="1449141" indent="0">
-              <a:buNone/>
-              <a:defRPr sz="724" b="1"/>
+            <a:lvl8pPr marL="1304163" indent="0">
+              <a:buNone/>
+              <a:defRPr sz="652" b="1"/>
             </a:lvl8pPr>
-            <a:lvl9pPr marL="1656161" indent="0">
-              <a:buNone/>
-              <a:defRPr sz="724" b="1"/>
+            <a:lvl9pPr marL="1490472" indent="0">
+              <a:buNone/>
+              <a:defRPr sz="652" b="1"/>
             </a:lvl9pPr>
           </a:lstStyle>
           <a:p>
@@ -2118,8 +2302,8 @@
         </p:nvSpPr>
         <p:spPr>
           <a:xfrm>
-            <a:off x="2095977" y="2367064"/>
-            <a:ext cx="1760124" cy="3481594"/>
+            <a:off x="1886218" y="2367064"/>
+            <a:ext cx="1583977" cy="3481594"/>
           </a:xfrm>
         </p:spPr>
         <p:txBody>
@@ -2231,7 +2415,7 @@
     </p:spTree>
     <p:extLst>
       <p:ext uri="{BB962C8B-B14F-4D97-AF65-F5344CB8AC3E}">
-        <p14:creationId xmlns:p14="http://schemas.microsoft.com/office/powerpoint/2010/main" val="2416336980"/>
+        <p14:creationId xmlns:p14="http://schemas.microsoft.com/office/powerpoint/2010/main" val="2409998222"/>
       </p:ext>
     </p:extLst>
   </p:cSld>
@@ -2349,7 +2533,7 @@
     </p:spTree>
     <p:extLst>
       <p:ext uri="{BB962C8B-B14F-4D97-AF65-F5344CB8AC3E}">
-        <p14:creationId xmlns:p14="http://schemas.microsoft.com/office/powerpoint/2010/main" val="960380807"/>
+        <p14:creationId xmlns:p14="http://schemas.microsoft.com/office/powerpoint/2010/main" val="3783342609"/>
       </p:ext>
     </p:extLst>
   </p:cSld>
@@ -2444,7 +2628,7 @@
     </p:spTree>
     <p:extLst>
       <p:ext uri="{BB962C8B-B14F-4D97-AF65-F5344CB8AC3E}">
-        <p14:creationId xmlns:p14="http://schemas.microsoft.com/office/powerpoint/2010/main" val="2670600643"/>
+        <p14:creationId xmlns:p14="http://schemas.microsoft.com/office/powerpoint/2010/main" val="1448341609"/>
       </p:ext>
     </p:extLst>
   </p:cSld>
@@ -2483,15 +2667,15 @@
         </p:nvSpPr>
         <p:spPr>
           <a:xfrm>
-            <a:off x="285178" y="432012"/>
-            <a:ext cx="1335322" cy="1512041"/>
+            <a:off x="256638" y="432012"/>
+            <a:ext cx="1201688" cy="1512041"/>
           </a:xfrm>
         </p:spPr>
         <p:txBody>
           <a:bodyPr anchor="b"/>
           <a:lstStyle>
             <a:lvl1pPr>
-              <a:defRPr sz="1449"/>
+              <a:defRPr sz="1304"/>
             </a:lvl1pPr>
           </a:lstStyle>
           <a:p>
@@ -2515,39 +2699,39 @@
         </p:nvSpPr>
         <p:spPr>
           <a:xfrm>
-            <a:off x="1760124" y="933027"/>
-            <a:ext cx="2095976" cy="4605124"/>
+            <a:off x="1583977" y="933027"/>
+            <a:ext cx="1886218" cy="4605124"/>
           </a:xfrm>
         </p:spPr>
         <p:txBody>
           <a:bodyPr/>
           <a:lstStyle>
             <a:lvl1pPr>
-              <a:defRPr sz="1449"/>
+              <a:defRPr sz="1304"/>
             </a:lvl1pPr>
             <a:lvl2pPr>
-              <a:defRPr sz="1268"/>
+              <a:defRPr sz="1141"/>
             </a:lvl2pPr>
             <a:lvl3pPr>
-              <a:defRPr sz="1087"/>
+              <a:defRPr sz="978"/>
             </a:lvl3pPr>
             <a:lvl4pPr>
-              <a:defRPr sz="906"/>
+              <a:defRPr sz="815"/>
             </a:lvl4pPr>
             <a:lvl5pPr>
-              <a:defRPr sz="906"/>
+              <a:defRPr sz="815"/>
             </a:lvl5pPr>
             <a:lvl6pPr>
-              <a:defRPr sz="906"/>
+              <a:defRPr sz="815"/>
             </a:lvl6pPr>
             <a:lvl7pPr>
-              <a:defRPr sz="906"/>
+              <a:defRPr sz="815"/>
             </a:lvl7pPr>
             <a:lvl8pPr>
-              <a:defRPr sz="906"/>
+              <a:defRPr sz="815"/>
             </a:lvl8pPr>
             <a:lvl9pPr>
-              <a:defRPr sz="906"/>
+              <a:defRPr sz="815"/>
             </a:lvl9pPr>
           </a:lstStyle>
           <a:p>
@@ -2600,8 +2784,8 @@
         </p:nvSpPr>
         <p:spPr>
           <a:xfrm>
-            <a:off x="285178" y="1944052"/>
-            <a:ext cx="1335322" cy="3601598"/>
+            <a:off x="256638" y="1944052"/>
+            <a:ext cx="1201688" cy="3601598"/>
           </a:xfrm>
         </p:spPr>
         <p:txBody>
@@ -2609,39 +2793,39 @@
           <a:lstStyle>
             <a:lvl1pPr marL="0" indent="0">
               <a:buNone/>
-              <a:defRPr sz="724"/>
+              <a:defRPr sz="652"/>
             </a:lvl1pPr>
-            <a:lvl2pPr marL="207020" indent="0">
-              <a:buNone/>
-              <a:defRPr sz="634"/>
+            <a:lvl2pPr marL="186309" indent="0">
+              <a:buNone/>
+              <a:defRPr sz="571"/>
             </a:lvl2pPr>
-            <a:lvl3pPr marL="414040" indent="0">
-              <a:buNone/>
-              <a:defRPr sz="543"/>
+            <a:lvl3pPr marL="372618" indent="0">
+              <a:buNone/>
+              <a:defRPr sz="489"/>
             </a:lvl3pPr>
-            <a:lvl4pPr marL="621060" indent="0">
-              <a:buNone/>
-              <a:defRPr sz="453"/>
+            <a:lvl4pPr marL="558927" indent="0">
+              <a:buNone/>
+              <a:defRPr sz="408"/>
             </a:lvl4pPr>
-            <a:lvl5pPr marL="828081" indent="0">
-              <a:buNone/>
-              <a:defRPr sz="453"/>
+            <a:lvl5pPr marL="745236" indent="0">
+              <a:buNone/>
+              <a:defRPr sz="408"/>
             </a:lvl5pPr>
-            <a:lvl6pPr marL="1035101" indent="0">
-              <a:buNone/>
-              <a:defRPr sz="453"/>
+            <a:lvl6pPr marL="931545" indent="0">
+              <a:buNone/>
+              <a:defRPr sz="408"/>
             </a:lvl6pPr>
-            <a:lvl7pPr marL="1242121" indent="0">
-              <a:buNone/>
-              <a:defRPr sz="453"/>
+            <a:lvl7pPr marL="1117854" indent="0">
+              <a:buNone/>
+              <a:defRPr sz="408"/>
             </a:lvl7pPr>
-            <a:lvl8pPr marL="1449141" indent="0">
-              <a:buNone/>
-              <a:defRPr sz="453"/>
+            <a:lvl8pPr marL="1304163" indent="0">
+              <a:buNone/>
+              <a:defRPr sz="408"/>
             </a:lvl8pPr>
-            <a:lvl9pPr marL="1656161" indent="0">
-              <a:buNone/>
-              <a:defRPr sz="453"/>
+            <a:lvl9pPr marL="1490472" indent="0">
+              <a:buNone/>
+              <a:defRPr sz="408"/>
             </a:lvl9pPr>
           </a:lstStyle>
           <a:p>
@@ -2721,7 +2905,7 @@
     </p:spTree>
     <p:extLst>
       <p:ext uri="{BB962C8B-B14F-4D97-AF65-F5344CB8AC3E}">
-        <p14:creationId xmlns:p14="http://schemas.microsoft.com/office/powerpoint/2010/main" val="1029730686"/>
+        <p14:creationId xmlns:p14="http://schemas.microsoft.com/office/powerpoint/2010/main" val="1936132623"/>
       </p:ext>
     </p:extLst>
   </p:cSld>
@@ -2760,15 +2944,15 @@
         </p:nvSpPr>
         <p:spPr>
           <a:xfrm>
-            <a:off x="285178" y="432012"/>
-            <a:ext cx="1335322" cy="1512041"/>
+            <a:off x="256638" y="432012"/>
+            <a:ext cx="1201688" cy="1512041"/>
           </a:xfrm>
         </p:spPr>
         <p:txBody>
           <a:bodyPr anchor="b"/>
           <a:lstStyle>
             <a:lvl1pPr>
-              <a:defRPr sz="1449"/>
+              <a:defRPr sz="1304"/>
             </a:lvl1pPr>
           </a:lstStyle>
           <a:p>
@@ -2792,8 +2976,8 @@
         </p:nvSpPr>
         <p:spPr>
           <a:xfrm>
-            <a:off x="1760124" y="933027"/>
-            <a:ext cx="2095976" cy="4605124"/>
+            <a:off x="1583977" y="933027"/>
+            <a:ext cx="1886218" cy="4605124"/>
           </a:xfrm>
         </p:spPr>
         <p:txBody>
@@ -2801,39 +2985,39 @@
           <a:lstStyle>
             <a:lvl1pPr marL="0" indent="0">
               <a:buNone/>
-              <a:defRPr sz="1449"/>
+              <a:defRPr sz="1304"/>
             </a:lvl1pPr>
-            <a:lvl2pPr marL="207020" indent="0">
-              <a:buNone/>
-              <a:defRPr sz="1268"/>
+            <a:lvl2pPr marL="186309" indent="0">
+              <a:buNone/>
+              <a:defRPr sz="1141"/>
             </a:lvl2pPr>
-            <a:lvl3pPr marL="414040" indent="0">
-              <a:buNone/>
-              <a:defRPr sz="1087"/>
+            <a:lvl3pPr marL="372618" indent="0">
+              <a:buNone/>
+              <a:defRPr sz="978"/>
             </a:lvl3pPr>
-            <a:lvl4pPr marL="621060" indent="0">
-              <a:buNone/>
-              <a:defRPr sz="906"/>
+            <a:lvl4pPr marL="558927" indent="0">
+              <a:buNone/>
+              <a:defRPr sz="815"/>
             </a:lvl4pPr>
-            <a:lvl5pPr marL="828081" indent="0">
-              <a:buNone/>
-              <a:defRPr sz="906"/>
+            <a:lvl5pPr marL="745236" indent="0">
+              <a:buNone/>
+              <a:defRPr sz="815"/>
             </a:lvl5pPr>
-            <a:lvl6pPr marL="1035101" indent="0">
-              <a:buNone/>
-              <a:defRPr sz="906"/>
+            <a:lvl6pPr marL="931545" indent="0">
+              <a:buNone/>
+              <a:defRPr sz="815"/>
             </a:lvl6pPr>
-            <a:lvl7pPr marL="1242121" indent="0">
-              <a:buNone/>
-              <a:defRPr sz="906"/>
+            <a:lvl7pPr marL="1117854" indent="0">
+              <a:buNone/>
+              <a:defRPr sz="815"/>
             </a:lvl7pPr>
-            <a:lvl8pPr marL="1449141" indent="0">
-              <a:buNone/>
-              <a:defRPr sz="906"/>
+            <a:lvl8pPr marL="1304163" indent="0">
+              <a:buNone/>
+              <a:defRPr sz="815"/>
             </a:lvl8pPr>
-            <a:lvl9pPr marL="1656161" indent="0">
-              <a:buNone/>
-              <a:defRPr sz="906"/>
+            <a:lvl9pPr marL="1490472" indent="0">
+              <a:buNone/>
+              <a:defRPr sz="815"/>
             </a:lvl9pPr>
           </a:lstStyle>
           <a:p>
@@ -2857,8 +3041,8 @@
         </p:nvSpPr>
         <p:spPr>
           <a:xfrm>
-            <a:off x="285178" y="1944052"/>
-            <a:ext cx="1335322" cy="3601598"/>
+            <a:off x="256638" y="1944052"/>
+            <a:ext cx="1201688" cy="3601598"/>
           </a:xfrm>
         </p:spPr>
         <p:txBody>
@@ -2866,39 +3050,39 @@
           <a:lstStyle>
             <a:lvl1pPr marL="0" indent="0">
               <a:buNone/>
-              <a:defRPr sz="724"/>
+              <a:defRPr sz="652"/>
             </a:lvl1pPr>
-            <a:lvl2pPr marL="207020" indent="0">
-              <a:buNone/>
-              <a:defRPr sz="634"/>
+            <a:lvl2pPr marL="186309" indent="0">
+              <a:buNone/>
+              <a:defRPr sz="571"/>
             </a:lvl2pPr>
-            <a:lvl3pPr marL="414040" indent="0">
-              <a:buNone/>
-              <a:defRPr sz="543"/>
+            <a:lvl3pPr marL="372618" indent="0">
+              <a:buNone/>
+              <a:defRPr sz="489"/>
             </a:lvl3pPr>
-            <a:lvl4pPr marL="621060" indent="0">
-              <a:buNone/>
-              <a:defRPr sz="453"/>
+            <a:lvl4pPr marL="558927" indent="0">
+              <a:buNone/>
+              <a:defRPr sz="408"/>
             </a:lvl4pPr>
-            <a:lvl5pPr marL="828081" indent="0">
-              <a:buNone/>
-              <a:defRPr sz="453"/>
+            <a:lvl5pPr marL="745236" indent="0">
+              <a:buNone/>
+              <a:defRPr sz="408"/>
             </a:lvl5pPr>
-            <a:lvl6pPr marL="1035101" indent="0">
-              <a:buNone/>
-              <a:defRPr sz="453"/>
+            <a:lvl6pPr marL="931545" indent="0">
+              <a:buNone/>
+              <a:defRPr sz="408"/>
             </a:lvl6pPr>
-            <a:lvl7pPr marL="1242121" indent="0">
-              <a:buNone/>
-              <a:defRPr sz="453"/>
+            <a:lvl7pPr marL="1117854" indent="0">
+              <a:buNone/>
+              <a:defRPr sz="408"/>
             </a:lvl7pPr>
-            <a:lvl8pPr marL="1449141" indent="0">
-              <a:buNone/>
-              <a:defRPr sz="453"/>
+            <a:lvl8pPr marL="1304163" indent="0">
+              <a:buNone/>
+              <a:defRPr sz="408"/>
             </a:lvl8pPr>
-            <a:lvl9pPr marL="1656161" indent="0">
-              <a:buNone/>
-              <a:defRPr sz="453"/>
+            <a:lvl9pPr marL="1490472" indent="0">
+              <a:buNone/>
+              <a:defRPr sz="408"/>
             </a:lvl9pPr>
           </a:lstStyle>
           <a:p>
@@ -2978,7 +3162,7 @@
     </p:spTree>
     <p:extLst>
       <p:ext uri="{BB962C8B-B14F-4D97-AF65-F5344CB8AC3E}">
-        <p14:creationId xmlns:p14="http://schemas.microsoft.com/office/powerpoint/2010/main" val="386539767"/>
+        <p14:creationId xmlns:p14="http://schemas.microsoft.com/office/powerpoint/2010/main" val="2572308757"/>
       </p:ext>
     </p:extLst>
   </p:cSld>
@@ -3022,8 +3206,8 @@
         </p:nvSpPr>
         <p:spPr>
           <a:xfrm>
-            <a:off x="284639" y="345011"/>
-            <a:ext cx="3570923" cy="1252534"/>
+            <a:off x="256153" y="345011"/>
+            <a:ext cx="3213557" cy="1252534"/>
           </a:xfrm>
           <a:prstGeom prst="rect">
             <a:avLst/>
@@ -3055,8 +3239,8 @@
         </p:nvSpPr>
         <p:spPr>
           <a:xfrm>
-            <a:off x="284639" y="1725046"/>
-            <a:ext cx="3570923" cy="4111612"/>
+            <a:off x="256153" y="1725046"/>
+            <a:ext cx="3213557" cy="4111612"/>
           </a:xfrm>
           <a:prstGeom prst="rect">
             <a:avLst/>
@@ -3117,8 +3301,8 @@
         </p:nvSpPr>
         <p:spPr>
           <a:xfrm>
-            <a:off x="284639" y="6006164"/>
-            <a:ext cx="931545" cy="345009"/>
+            <a:off x="256153" y="6006164"/>
+            <a:ext cx="838319" cy="345009"/>
           </a:xfrm>
           <a:prstGeom prst="rect">
             <a:avLst/>
@@ -3128,7 +3312,7 @@
           <a:bodyPr vert="horz" lIns="91440" tIns="45720" rIns="91440" bIns="45720" rtlCol="0" anchor="ctr"/>
           <a:lstStyle>
             <a:lvl1pPr algn="l">
-              <a:defRPr sz="543">
+              <a:defRPr sz="489">
                 <a:solidFill>
                   <a:schemeClr val="tx1">
                     <a:tint val="82000"/>
@@ -3158,8 +3342,8 @@
         </p:nvSpPr>
         <p:spPr>
           <a:xfrm>
-            <a:off x="1371441" y="6006164"/>
-            <a:ext cx="1397318" cy="345009"/>
+            <a:off x="1234192" y="6006164"/>
+            <a:ext cx="1257479" cy="345009"/>
           </a:xfrm>
           <a:prstGeom prst="rect">
             <a:avLst/>
@@ -3169,7 +3353,7 @@
           <a:bodyPr vert="horz" lIns="91440" tIns="45720" rIns="91440" bIns="45720" rtlCol="0" anchor="ctr"/>
           <a:lstStyle>
             <a:lvl1pPr algn="ctr">
-              <a:defRPr sz="543">
+              <a:defRPr sz="489">
                 <a:solidFill>
                   <a:schemeClr val="tx1">
                     <a:tint val="82000"/>
@@ -3195,8 +3379,8 @@
         </p:nvSpPr>
         <p:spPr>
           <a:xfrm>
-            <a:off x="2924016" y="6006164"/>
-            <a:ext cx="931545" cy="345009"/>
+            <a:off x="2631391" y="6006164"/>
+            <a:ext cx="838319" cy="345009"/>
           </a:xfrm>
           <a:prstGeom prst="rect">
             <a:avLst/>
@@ -3206,7 +3390,7 @@
           <a:bodyPr vert="horz" lIns="91440" tIns="45720" rIns="91440" bIns="45720" rtlCol="0" anchor="ctr"/>
           <a:lstStyle>
             <a:lvl1pPr algn="r">
-              <a:defRPr sz="543">
+              <a:defRPr sz="489">
                 <a:solidFill>
                   <a:schemeClr val="tx1">
                     <a:tint val="82000"/>
@@ -3227,27 +3411,27 @@
     </p:spTree>
     <p:extLst>
       <p:ext uri="{BB962C8B-B14F-4D97-AF65-F5344CB8AC3E}">
-        <p14:creationId xmlns:p14="http://schemas.microsoft.com/office/powerpoint/2010/main" val="2958915075"/>
+        <p14:creationId xmlns:p14="http://schemas.microsoft.com/office/powerpoint/2010/main" val="1173223204"/>
       </p:ext>
     </p:extLst>
   </p:cSld>
   <p:clrMap bg1="lt1" tx1="dk1" bg2="lt2" tx2="dk2" accent1="accent1" accent2="accent2" accent3="accent3" accent4="accent4" accent5="accent5" accent6="accent6" hlink="hlink" folHlink="folHlink"/>
   <p:sldLayoutIdLst>
-    <p:sldLayoutId id="2147483661" r:id="rId1"/>
-    <p:sldLayoutId id="2147483662" r:id="rId2"/>
-    <p:sldLayoutId id="2147483663" r:id="rId3"/>
-    <p:sldLayoutId id="2147483664" r:id="rId4"/>
-    <p:sldLayoutId id="2147483665" r:id="rId5"/>
-    <p:sldLayoutId id="2147483666" r:id="rId6"/>
-    <p:sldLayoutId id="2147483667" r:id="rId7"/>
-    <p:sldLayoutId id="2147483668" r:id="rId8"/>
-    <p:sldLayoutId id="2147483669" r:id="rId9"/>
-    <p:sldLayoutId id="2147483670" r:id="rId10"/>
-    <p:sldLayoutId id="2147483671" r:id="rId11"/>
+    <p:sldLayoutId id="2147483673" r:id="rId1"/>
+    <p:sldLayoutId id="2147483674" r:id="rId2"/>
+    <p:sldLayoutId id="2147483675" r:id="rId3"/>
+    <p:sldLayoutId id="2147483676" r:id="rId4"/>
+    <p:sldLayoutId id="2147483677" r:id="rId5"/>
+    <p:sldLayoutId id="2147483678" r:id="rId6"/>
+    <p:sldLayoutId id="2147483679" r:id="rId7"/>
+    <p:sldLayoutId id="2147483680" r:id="rId8"/>
+    <p:sldLayoutId id="2147483681" r:id="rId9"/>
+    <p:sldLayoutId id="2147483682" r:id="rId10"/>
+    <p:sldLayoutId id="2147483683" r:id="rId11"/>
   </p:sldLayoutIdLst>
   <p:txStyles>
     <p:titleStyle>
-      <a:lvl1pPr algn="l" defTabSz="414040" rtl="0" eaLnBrk="1" latinLnBrk="0" hangingPunct="1">
+      <a:lvl1pPr algn="l" defTabSz="372618" rtl="0" eaLnBrk="1" latinLnBrk="0" hangingPunct="1">
         <a:lnSpc>
           <a:spcPct val="90000"/>
         </a:lnSpc>
@@ -3255,7 +3439,7 @@
           <a:spcPct val="0"/>
         </a:spcBef>
         <a:buNone/>
-        <a:defRPr sz="1992" kern="1200">
+        <a:defRPr sz="1793" kern="1200">
           <a:solidFill>
             <a:schemeClr val="tx1"/>
           </a:solidFill>
@@ -3266,16 +3450,16 @@
       </a:lvl1pPr>
     </p:titleStyle>
     <p:bodyStyle>
-      <a:lvl1pPr marL="103510" indent="-103510" algn="l" defTabSz="414040" rtl="0" eaLnBrk="1" latinLnBrk="0" hangingPunct="1">
+      <a:lvl1pPr marL="93155" indent="-93155" algn="l" defTabSz="372618" rtl="0" eaLnBrk="1" latinLnBrk="0" hangingPunct="1">
         <a:lnSpc>
           <a:spcPct val="90000"/>
         </a:lnSpc>
         <a:spcBef>
-          <a:spcPts val="453"/>
+          <a:spcPts val="408"/>
         </a:spcBef>
         <a:buFont typeface="Arial" panose="020B0604020202020204" pitchFamily="34" charset="0"/>
         <a:buChar char="•"/>
-        <a:defRPr sz="1268" kern="1200">
+        <a:defRPr sz="1141" kern="1200">
           <a:solidFill>
             <a:schemeClr val="tx1"/>
           </a:solidFill>
@@ -3284,16 +3468,16 @@
           <a:cs typeface="+mn-cs"/>
         </a:defRPr>
       </a:lvl1pPr>
-      <a:lvl2pPr marL="310530" indent="-103510" algn="l" defTabSz="414040" rtl="0" eaLnBrk="1" latinLnBrk="0" hangingPunct="1">
+      <a:lvl2pPr marL="279464" indent="-93155" algn="l" defTabSz="372618" rtl="0" eaLnBrk="1" latinLnBrk="0" hangingPunct="1">
         <a:lnSpc>
           <a:spcPct val="90000"/>
         </a:lnSpc>
         <a:spcBef>
-          <a:spcPts val="226"/>
+          <a:spcPts val="204"/>
         </a:spcBef>
         <a:buFont typeface="Arial" panose="020B0604020202020204" pitchFamily="34" charset="0"/>
         <a:buChar char="•"/>
-        <a:defRPr sz="1087" kern="1200">
+        <a:defRPr sz="978" kern="1200">
           <a:solidFill>
             <a:schemeClr val="tx1"/>
           </a:solidFill>
@@ -3302,30 +3486,12 @@
           <a:cs typeface="+mn-cs"/>
         </a:defRPr>
       </a:lvl2pPr>
-      <a:lvl3pPr marL="517550" indent="-103510" algn="l" defTabSz="414040" rtl="0" eaLnBrk="1" latinLnBrk="0" hangingPunct="1">
+      <a:lvl3pPr marL="465773" indent="-93155" algn="l" defTabSz="372618" rtl="0" eaLnBrk="1" latinLnBrk="0" hangingPunct="1">
         <a:lnSpc>
           <a:spcPct val="90000"/>
         </a:lnSpc>
         <a:spcBef>
-          <a:spcPts val="226"/>
-        </a:spcBef>
-        <a:buFont typeface="Arial" panose="020B0604020202020204" pitchFamily="34" charset="0"/>
-        <a:buChar char="•"/>
-        <a:defRPr sz="906" kern="1200">
-          <a:solidFill>
-            <a:schemeClr val="tx1"/>
-          </a:solidFill>
-          <a:latin typeface="+mn-lt"/>
-          <a:ea typeface="+mn-ea"/>
-          <a:cs typeface="+mn-cs"/>
-        </a:defRPr>
-      </a:lvl3pPr>
-      <a:lvl4pPr marL="724571" indent="-103510" algn="l" defTabSz="414040" rtl="0" eaLnBrk="1" latinLnBrk="0" hangingPunct="1">
-        <a:lnSpc>
-          <a:spcPct val="90000"/>
-        </a:lnSpc>
-        <a:spcBef>
-          <a:spcPts val="226"/>
+          <a:spcPts val="204"/>
         </a:spcBef>
         <a:buFont typeface="Arial" panose="020B0604020202020204" pitchFamily="34" charset="0"/>
         <a:buChar char="•"/>
@@ -3337,17 +3503,35 @@
           <a:ea typeface="+mn-ea"/>
           <a:cs typeface="+mn-cs"/>
         </a:defRPr>
-      </a:lvl4pPr>
-      <a:lvl5pPr marL="931591" indent="-103510" algn="l" defTabSz="414040" rtl="0" eaLnBrk="1" latinLnBrk="0" hangingPunct="1">
+      </a:lvl3pPr>
+      <a:lvl4pPr marL="652082" indent="-93155" algn="l" defTabSz="372618" rtl="0" eaLnBrk="1" latinLnBrk="0" hangingPunct="1">
         <a:lnSpc>
           <a:spcPct val="90000"/>
         </a:lnSpc>
         <a:spcBef>
-          <a:spcPts val="226"/>
+          <a:spcPts val="204"/>
         </a:spcBef>
         <a:buFont typeface="Arial" panose="020B0604020202020204" pitchFamily="34" charset="0"/>
         <a:buChar char="•"/>
-        <a:defRPr sz="815" kern="1200">
+        <a:defRPr sz="734" kern="1200">
+          <a:solidFill>
+            <a:schemeClr val="tx1"/>
+          </a:solidFill>
+          <a:latin typeface="+mn-lt"/>
+          <a:ea typeface="+mn-ea"/>
+          <a:cs typeface="+mn-cs"/>
+        </a:defRPr>
+      </a:lvl4pPr>
+      <a:lvl5pPr marL="838391" indent="-93155" algn="l" defTabSz="372618" rtl="0" eaLnBrk="1" latinLnBrk="0" hangingPunct="1">
+        <a:lnSpc>
+          <a:spcPct val="90000"/>
+        </a:lnSpc>
+        <a:spcBef>
+          <a:spcPts val="204"/>
+        </a:spcBef>
+        <a:buFont typeface="Arial" panose="020B0604020202020204" pitchFamily="34" charset="0"/>
+        <a:buChar char="•"/>
+        <a:defRPr sz="734" kern="1200">
           <a:solidFill>
             <a:schemeClr val="tx1"/>
           </a:solidFill>
@@ -3356,16 +3540,16 @@
           <a:cs typeface="+mn-cs"/>
         </a:defRPr>
       </a:lvl5pPr>
-      <a:lvl6pPr marL="1138611" indent="-103510" algn="l" defTabSz="414040" rtl="0" eaLnBrk="1" latinLnBrk="0" hangingPunct="1">
+      <a:lvl6pPr marL="1024700" indent="-93155" algn="l" defTabSz="372618" rtl="0" eaLnBrk="1" latinLnBrk="0" hangingPunct="1">
         <a:lnSpc>
           <a:spcPct val="90000"/>
         </a:lnSpc>
         <a:spcBef>
-          <a:spcPts val="226"/>
+          <a:spcPts val="204"/>
         </a:spcBef>
         <a:buFont typeface="Arial" panose="020B0604020202020204" pitchFamily="34" charset="0"/>
         <a:buChar char="•"/>
-        <a:defRPr sz="815" kern="1200">
+        <a:defRPr sz="734" kern="1200">
           <a:solidFill>
             <a:schemeClr val="tx1"/>
           </a:solidFill>
@@ -3374,16 +3558,16 @@
           <a:cs typeface="+mn-cs"/>
         </a:defRPr>
       </a:lvl6pPr>
-      <a:lvl7pPr marL="1345631" indent="-103510" algn="l" defTabSz="414040" rtl="0" eaLnBrk="1" latinLnBrk="0" hangingPunct="1">
+      <a:lvl7pPr marL="1211009" indent="-93155" algn="l" defTabSz="372618" rtl="0" eaLnBrk="1" latinLnBrk="0" hangingPunct="1">
         <a:lnSpc>
           <a:spcPct val="90000"/>
         </a:lnSpc>
         <a:spcBef>
-          <a:spcPts val="226"/>
+          <a:spcPts val="204"/>
         </a:spcBef>
         <a:buFont typeface="Arial" panose="020B0604020202020204" pitchFamily="34" charset="0"/>
         <a:buChar char="•"/>
-        <a:defRPr sz="815" kern="1200">
+        <a:defRPr sz="734" kern="1200">
           <a:solidFill>
             <a:schemeClr val="tx1"/>
           </a:solidFill>
@@ -3392,16 +3576,16 @@
           <a:cs typeface="+mn-cs"/>
         </a:defRPr>
       </a:lvl7pPr>
-      <a:lvl8pPr marL="1552651" indent="-103510" algn="l" defTabSz="414040" rtl="0" eaLnBrk="1" latinLnBrk="0" hangingPunct="1">
+      <a:lvl8pPr marL="1397318" indent="-93155" algn="l" defTabSz="372618" rtl="0" eaLnBrk="1" latinLnBrk="0" hangingPunct="1">
         <a:lnSpc>
           <a:spcPct val="90000"/>
         </a:lnSpc>
         <a:spcBef>
-          <a:spcPts val="226"/>
+          <a:spcPts val="204"/>
         </a:spcBef>
         <a:buFont typeface="Arial" panose="020B0604020202020204" pitchFamily="34" charset="0"/>
         <a:buChar char="•"/>
-        <a:defRPr sz="815" kern="1200">
+        <a:defRPr sz="734" kern="1200">
           <a:solidFill>
             <a:schemeClr val="tx1"/>
           </a:solidFill>
@@ -3410,16 +3594,16 @@
           <a:cs typeface="+mn-cs"/>
         </a:defRPr>
       </a:lvl8pPr>
-      <a:lvl9pPr marL="1759671" indent="-103510" algn="l" defTabSz="414040" rtl="0" eaLnBrk="1" latinLnBrk="0" hangingPunct="1">
+      <a:lvl9pPr marL="1583627" indent="-93155" algn="l" defTabSz="372618" rtl="0" eaLnBrk="1" latinLnBrk="0" hangingPunct="1">
         <a:lnSpc>
           <a:spcPct val="90000"/>
         </a:lnSpc>
         <a:spcBef>
-          <a:spcPts val="226"/>
+          <a:spcPts val="204"/>
         </a:spcBef>
         <a:buFont typeface="Arial" panose="020B0604020202020204" pitchFamily="34" charset="0"/>
         <a:buChar char="•"/>
-        <a:defRPr sz="815" kern="1200">
+        <a:defRPr sz="734" kern="1200">
           <a:solidFill>
             <a:schemeClr val="tx1"/>
           </a:solidFill>
@@ -3433,8 +3617,8 @@
       <a:defPPr>
         <a:defRPr lang="en-US"/>
       </a:defPPr>
-      <a:lvl1pPr marL="0" algn="l" defTabSz="414040" rtl="0" eaLnBrk="1" latinLnBrk="0" hangingPunct="1">
-        <a:defRPr sz="815" kern="1200">
+      <a:lvl1pPr marL="0" algn="l" defTabSz="372618" rtl="0" eaLnBrk="1" latinLnBrk="0" hangingPunct="1">
+        <a:defRPr sz="734" kern="1200">
           <a:solidFill>
             <a:schemeClr val="tx1"/>
           </a:solidFill>
@@ -3443,8 +3627,8 @@
           <a:cs typeface="+mn-cs"/>
         </a:defRPr>
       </a:lvl1pPr>
-      <a:lvl2pPr marL="207020" algn="l" defTabSz="414040" rtl="0" eaLnBrk="1" latinLnBrk="0" hangingPunct="1">
-        <a:defRPr sz="815" kern="1200">
+      <a:lvl2pPr marL="186309" algn="l" defTabSz="372618" rtl="0" eaLnBrk="1" latinLnBrk="0" hangingPunct="1">
+        <a:defRPr sz="734" kern="1200">
           <a:solidFill>
             <a:schemeClr val="tx1"/>
           </a:solidFill>
@@ -3453,8 +3637,8 @@
           <a:cs typeface="+mn-cs"/>
         </a:defRPr>
       </a:lvl2pPr>
-      <a:lvl3pPr marL="414040" algn="l" defTabSz="414040" rtl="0" eaLnBrk="1" latinLnBrk="0" hangingPunct="1">
-        <a:defRPr sz="815" kern="1200">
+      <a:lvl3pPr marL="372618" algn="l" defTabSz="372618" rtl="0" eaLnBrk="1" latinLnBrk="0" hangingPunct="1">
+        <a:defRPr sz="734" kern="1200">
           <a:solidFill>
             <a:schemeClr val="tx1"/>
           </a:solidFill>
@@ -3463,8 +3647,8 @@
           <a:cs typeface="+mn-cs"/>
         </a:defRPr>
       </a:lvl3pPr>
-      <a:lvl4pPr marL="621060" algn="l" defTabSz="414040" rtl="0" eaLnBrk="1" latinLnBrk="0" hangingPunct="1">
-        <a:defRPr sz="815" kern="1200">
+      <a:lvl4pPr marL="558927" algn="l" defTabSz="372618" rtl="0" eaLnBrk="1" latinLnBrk="0" hangingPunct="1">
+        <a:defRPr sz="734" kern="1200">
           <a:solidFill>
             <a:schemeClr val="tx1"/>
           </a:solidFill>
@@ -3473,8 +3657,8 @@
           <a:cs typeface="+mn-cs"/>
         </a:defRPr>
       </a:lvl4pPr>
-      <a:lvl5pPr marL="828081" algn="l" defTabSz="414040" rtl="0" eaLnBrk="1" latinLnBrk="0" hangingPunct="1">
-        <a:defRPr sz="815" kern="1200">
+      <a:lvl5pPr marL="745236" algn="l" defTabSz="372618" rtl="0" eaLnBrk="1" latinLnBrk="0" hangingPunct="1">
+        <a:defRPr sz="734" kern="1200">
           <a:solidFill>
             <a:schemeClr val="tx1"/>
           </a:solidFill>
@@ -3483,8 +3667,8 @@
           <a:cs typeface="+mn-cs"/>
         </a:defRPr>
       </a:lvl5pPr>
-      <a:lvl6pPr marL="1035101" algn="l" defTabSz="414040" rtl="0" eaLnBrk="1" latinLnBrk="0" hangingPunct="1">
-        <a:defRPr sz="815" kern="1200">
+      <a:lvl6pPr marL="931545" algn="l" defTabSz="372618" rtl="0" eaLnBrk="1" latinLnBrk="0" hangingPunct="1">
+        <a:defRPr sz="734" kern="1200">
           <a:solidFill>
             <a:schemeClr val="tx1"/>
           </a:solidFill>
@@ -3493,8 +3677,8 @@
           <a:cs typeface="+mn-cs"/>
         </a:defRPr>
       </a:lvl6pPr>
-      <a:lvl7pPr marL="1242121" algn="l" defTabSz="414040" rtl="0" eaLnBrk="1" latinLnBrk="0" hangingPunct="1">
-        <a:defRPr sz="815" kern="1200">
+      <a:lvl7pPr marL="1117854" algn="l" defTabSz="372618" rtl="0" eaLnBrk="1" latinLnBrk="0" hangingPunct="1">
+        <a:defRPr sz="734" kern="1200">
           <a:solidFill>
             <a:schemeClr val="tx1"/>
           </a:solidFill>
@@ -3503,8 +3687,8 @@
           <a:cs typeface="+mn-cs"/>
         </a:defRPr>
       </a:lvl7pPr>
-      <a:lvl8pPr marL="1449141" algn="l" defTabSz="414040" rtl="0" eaLnBrk="1" latinLnBrk="0" hangingPunct="1">
-        <a:defRPr sz="815" kern="1200">
+      <a:lvl8pPr marL="1304163" algn="l" defTabSz="372618" rtl="0" eaLnBrk="1" latinLnBrk="0" hangingPunct="1">
+        <a:defRPr sz="734" kern="1200">
           <a:solidFill>
             <a:schemeClr val="tx1"/>
           </a:solidFill>
@@ -3513,8 +3697,8 @@
           <a:cs typeface="+mn-cs"/>
         </a:defRPr>
       </a:lvl8pPr>
-      <a:lvl9pPr marL="1656161" algn="l" defTabSz="414040" rtl="0" eaLnBrk="1" latinLnBrk="0" hangingPunct="1">
-        <a:defRPr sz="815" kern="1200">
+      <a:lvl9pPr marL="1490472" algn="l" defTabSz="372618" rtl="0" eaLnBrk="1" latinLnBrk="0" hangingPunct="1">
+        <a:defRPr sz="734" kern="1200">
           <a:solidFill>
             <a:schemeClr val="tx1"/>
           </a:solidFill>
@@ -3547,7 +3731,7 @@
       </p:grpSpPr>
       <p:pic>
         <p:nvPicPr>
-          <p:cNvPr id="6" name="Picture 5" descr="A graph of a number of numbers&#10;&#10;AI-generated content may be incorrect.">
+          <p:cNvPr id="4" name="Picture 3" descr="A graph of a number of numbers&#10;&#10;AI-generated content may be incorrect.">
             <a:extLst>
               <a:ext uri="{FF2B5EF4-FFF2-40B4-BE49-F238E27FC236}">
                 <a16:creationId xmlns:a16="http://schemas.microsoft.com/office/drawing/2014/main" id="{88D99402-A6F8-6200-075A-3580037CFB63}"/>
@@ -3582,7 +3766,7 @@
       </p:pic>
       <p:pic>
         <p:nvPicPr>
-          <p:cNvPr id="7" name="Picture 6" descr="A graph with a red line&#10;&#10;AI-generated content may be incorrect.">
+          <p:cNvPr id="5" name="Picture 4" descr="A graph with a red line&#10;&#10;AI-generated content may be incorrect.">
             <a:extLst>
               <a:ext uri="{FF2B5EF4-FFF2-40B4-BE49-F238E27FC236}">
                 <a16:creationId xmlns:a16="http://schemas.microsoft.com/office/drawing/2014/main" id="{418065AA-8313-1CC2-5EE1-9C56B8E0F973}"/>
@@ -3602,13 +3786,13 @@
               </a:ext>
             </a:extLst>
           </a:blip>
-          <a:srcRect l="5756" t="11245" r="9069" b="9654"/>
+          <a:srcRect l="10883" t="11245" r="9069" b="9654"/>
           <a:stretch/>
         </p:blipFill>
         <p:spPr>
           <a:xfrm>
-            <a:off x="2305616" y="750570"/>
-            <a:ext cx="1822736" cy="1692770"/>
+            <a:off x="1997888" y="750570"/>
+            <a:ext cx="1713025" cy="1692770"/>
           </a:xfrm>
           <a:prstGeom prst="rect">
             <a:avLst/>
@@ -3617,7 +3801,7 @@
       </p:pic>
       <p:pic>
         <p:nvPicPr>
-          <p:cNvPr id="9" name="Picture 8" descr="A graph with a red line&#10;&#10;AI-generated content may be incorrect.">
+          <p:cNvPr id="8" name="Picture 7" descr="A graph with a red line&#10;&#10;AI-generated content may be incorrect.">
             <a:extLst>
               <a:ext uri="{FF2B5EF4-FFF2-40B4-BE49-F238E27FC236}">
                 <a16:creationId xmlns:a16="http://schemas.microsoft.com/office/drawing/2014/main" id="{456425BC-5DD3-60EE-62D5-E50A05758999}"/>
@@ -3652,7 +3836,7 @@
       </p:pic>
       <p:pic>
         <p:nvPicPr>
-          <p:cNvPr id="12" name="Picture 11" descr="A graph with a red line&#10;&#10;AI-generated content may be incorrect.">
+          <p:cNvPr id="21" name="Picture 20" descr="A graph with a red line&#10;&#10;AI-generated content may be incorrect.">
             <a:extLst>
               <a:ext uri="{FF2B5EF4-FFF2-40B4-BE49-F238E27FC236}">
                 <a16:creationId xmlns:a16="http://schemas.microsoft.com/office/drawing/2014/main" id="{364666C4-F3CA-09A7-7F4A-4F7FA0193F5F}"/>
@@ -3672,13 +3856,13 @@
               </a:ext>
             </a:extLst>
           </a:blip>
-          <a:srcRect l="5756" t="11245" r="9069" b="9654"/>
+          <a:srcRect l="10883" t="11245" r="9069" b="9654"/>
           <a:stretch/>
         </p:blipFill>
         <p:spPr>
           <a:xfrm>
-            <a:off x="2305616" y="2692537"/>
-            <a:ext cx="1822736" cy="1692771"/>
+            <a:off x="1997888" y="2692537"/>
+            <a:ext cx="1713026" cy="1692771"/>
           </a:xfrm>
           <a:prstGeom prst="rect">
             <a:avLst/>
@@ -3687,7 +3871,7 @@
       </p:pic>
       <p:pic>
         <p:nvPicPr>
-          <p:cNvPr id="15" name="Picture 14" descr="A graph with a red line and black dots&#10;&#10;AI-generated content may be incorrect.">
+          <p:cNvPr id="22" name="Picture 21" descr="A graph with a red line and black dots&#10;&#10;AI-generated content may be incorrect.">
             <a:extLst>
               <a:ext uri="{FF2B5EF4-FFF2-40B4-BE49-F238E27FC236}">
                 <a16:creationId xmlns:a16="http://schemas.microsoft.com/office/drawing/2014/main" id="{F8264153-7720-42A1-AED4-320543208D7A}"/>
@@ -3722,7 +3906,7 @@
       </p:pic>
       <p:pic>
         <p:nvPicPr>
-          <p:cNvPr id="20" name="Picture 19" descr="A graph of a number of numbers&#10;&#10;AI-generated content may be incorrect.">
+          <p:cNvPr id="23" name="Picture 22" descr="A graph of a number of numbers&#10;&#10;AI-generated content may be incorrect.">
             <a:extLst>
               <a:ext uri="{FF2B5EF4-FFF2-40B4-BE49-F238E27FC236}">
                 <a16:creationId xmlns:a16="http://schemas.microsoft.com/office/drawing/2014/main" id="{60C6E82B-7081-61AF-D5FA-746E2FCF6AF4}"/>
@@ -3742,13 +3926,13 @@
               </a:ext>
             </a:extLst>
           </a:blip>
-          <a:srcRect l="5756" t="11245" r="9069" b="2508"/>
+          <a:srcRect l="10883" t="11245" r="9069" b="2508"/>
           <a:stretch/>
         </p:blipFill>
         <p:spPr>
           <a:xfrm>
-            <a:off x="2305616" y="4634505"/>
-            <a:ext cx="1822736" cy="1845670"/>
+            <a:off x="1997886" y="4634505"/>
+            <a:ext cx="1713027" cy="1845670"/>
           </a:xfrm>
           <a:prstGeom prst="rect">
             <a:avLst/>
@@ -3757,7 +3941,7 @@
       </p:pic>
       <p:sp>
         <p:nvSpPr>
-          <p:cNvPr id="17" name="TextBox 16">
+          <p:cNvPr id="24" name="TextBox 23">
             <a:extLst>
               <a:ext uri="{FF2B5EF4-FFF2-40B4-BE49-F238E27FC236}">
                 <a16:creationId xmlns:a16="http://schemas.microsoft.com/office/drawing/2014/main" id="{7D251682-B46D-DC7E-8C5E-59DFF1C27261}"/>
@@ -3839,7 +4023,7 @@
       </p:sp>
       <p:sp>
         <p:nvSpPr>
-          <p:cNvPr id="18" name="TextBox 17">
+          <p:cNvPr id="25" name="TextBox 24">
             <a:extLst>
               <a:ext uri="{FF2B5EF4-FFF2-40B4-BE49-F238E27FC236}">
                 <a16:creationId xmlns:a16="http://schemas.microsoft.com/office/drawing/2014/main" id="{18F79773-A305-6943-D6AB-6A9BB374B2B4}"/>
@@ -3907,7 +4091,7 @@
       </p:sp>
       <p:sp>
         <p:nvSpPr>
-          <p:cNvPr id="2" name="TextBox 1">
+          <p:cNvPr id="34" name="TextBox 33">
             <a:extLst>
               <a:ext uri="{FF2B5EF4-FFF2-40B4-BE49-F238E27FC236}">
                 <a16:creationId xmlns:a16="http://schemas.microsoft.com/office/drawing/2014/main" id="{1439338B-2360-F0B9-54B0-E0E8A3F764B5}"/>
@@ -3919,7 +4103,7 @@
         </p:nvSpPr>
         <p:spPr>
           <a:xfrm>
-            <a:off x="2168099" y="568047"/>
+            <a:off x="1899746" y="568047"/>
             <a:ext cx="1908000" cy="216000"/>
           </a:xfrm>
           <a:prstGeom prst="rect">
@@ -3964,7 +4148,7 @@
       </p:sp>
       <p:sp>
         <p:nvSpPr>
-          <p:cNvPr id="10" name="TextBox 9">
+          <p:cNvPr id="35" name="TextBox 34">
             <a:extLst>
               <a:ext uri="{FF2B5EF4-FFF2-40B4-BE49-F238E27FC236}">
                 <a16:creationId xmlns:a16="http://schemas.microsoft.com/office/drawing/2014/main" id="{8B1F5955-FCB9-F344-7FF7-DF879384E574}"/>
@@ -3976,7 +4160,7 @@
         </p:nvSpPr>
         <p:spPr>
           <a:xfrm>
-            <a:off x="3246120" y="1996544"/>
+            <a:off x="2828682" y="1996544"/>
             <a:ext cx="786840" cy="338554"/>
           </a:xfrm>
           <a:prstGeom prst="rect">
@@ -4032,7 +4216,7 @@
       </p:sp>
       <p:sp>
         <p:nvSpPr>
-          <p:cNvPr id="11" name="TextBox 10">
+          <p:cNvPr id="36" name="TextBox 35">
             <a:extLst>
               <a:ext uri="{FF2B5EF4-FFF2-40B4-BE49-F238E27FC236}">
                 <a16:creationId xmlns:a16="http://schemas.microsoft.com/office/drawing/2014/main" id="{A2A68CE5-3663-E3BA-5B16-FF1EBD5CAD67}"/>
@@ -4100,7 +4284,7 @@
       </p:sp>
       <p:sp>
         <p:nvSpPr>
-          <p:cNvPr id="13" name="TextBox 12">
+          <p:cNvPr id="37" name="TextBox 36">
             <a:extLst>
               <a:ext uri="{FF2B5EF4-FFF2-40B4-BE49-F238E27FC236}">
                 <a16:creationId xmlns:a16="http://schemas.microsoft.com/office/drawing/2014/main" id="{0DD473FB-E495-B2CC-B0FF-A62B16673603}"/>
@@ -4112,7 +4296,7 @@
         </p:nvSpPr>
         <p:spPr>
           <a:xfrm>
-            <a:off x="3246120" y="3924404"/>
+            <a:off x="2828682" y="3924404"/>
             <a:ext cx="786840" cy="338554"/>
           </a:xfrm>
           <a:prstGeom prst="rect">
@@ -4168,7 +4352,7 @@
       </p:sp>
       <p:sp>
         <p:nvSpPr>
-          <p:cNvPr id="14" name="TextBox 13">
+          <p:cNvPr id="38" name="TextBox 37">
             <a:extLst>
               <a:ext uri="{FF2B5EF4-FFF2-40B4-BE49-F238E27FC236}">
                 <a16:creationId xmlns:a16="http://schemas.microsoft.com/office/drawing/2014/main" id="{44BA3302-BB3A-42E9-5A33-833C023D5C47}"/>
@@ -4236,7 +4420,7 @@
       </p:sp>
       <p:sp>
         <p:nvSpPr>
-          <p:cNvPr id="16" name="TextBox 15">
+          <p:cNvPr id="39" name="TextBox 38">
             <a:extLst>
               <a:ext uri="{FF2B5EF4-FFF2-40B4-BE49-F238E27FC236}">
                 <a16:creationId xmlns:a16="http://schemas.microsoft.com/office/drawing/2014/main" id="{FE152A2A-430B-C523-E1E8-2692C774555F}"/>
@@ -4248,7 +4432,7 @@
         </p:nvSpPr>
         <p:spPr>
           <a:xfrm>
-            <a:off x="3246120" y="5871314"/>
+            <a:off x="2828682" y="5871314"/>
             <a:ext cx="786840" cy="338554"/>
           </a:xfrm>
           <a:prstGeom prst="rect">
@@ -4304,7 +4488,7 @@
       </p:sp>
       <p:sp>
         <p:nvSpPr>
-          <p:cNvPr id="19" name="TextBox 18">
+          <p:cNvPr id="40" name="TextBox 39">
             <a:extLst>
               <a:ext uri="{FF2B5EF4-FFF2-40B4-BE49-F238E27FC236}">
                 <a16:creationId xmlns:a16="http://schemas.microsoft.com/office/drawing/2014/main" id="{812B84FE-6FFF-9B2B-74C3-F9216FC6BFC1}"/>
@@ -4361,7 +4545,7 @@
       </p:sp>
       <p:sp>
         <p:nvSpPr>
-          <p:cNvPr id="26" name="TextBox 25">
+          <p:cNvPr id="41" name="TextBox 40">
             <a:extLst>
               <a:ext uri="{FF2B5EF4-FFF2-40B4-BE49-F238E27FC236}">
                 <a16:creationId xmlns:a16="http://schemas.microsoft.com/office/drawing/2014/main" id="{46667C36-0CBE-9755-7F89-8AACC8E51FA9}"/>
@@ -4418,7 +4602,7 @@
       </p:sp>
       <p:sp>
         <p:nvSpPr>
-          <p:cNvPr id="27" name="TextBox 26">
+          <p:cNvPr id="42" name="TextBox 41">
             <a:extLst>
               <a:ext uri="{FF2B5EF4-FFF2-40B4-BE49-F238E27FC236}">
                 <a16:creationId xmlns:a16="http://schemas.microsoft.com/office/drawing/2014/main" id="{F71E61F0-9840-9B7F-30F2-30B65396312F}"/>
@@ -4475,7 +4659,7 @@
       </p:sp>
       <p:sp>
         <p:nvSpPr>
-          <p:cNvPr id="28" name="TextBox 27">
+          <p:cNvPr id="43" name="TextBox 42">
             <a:extLst>
               <a:ext uri="{FF2B5EF4-FFF2-40B4-BE49-F238E27FC236}">
                 <a16:creationId xmlns:a16="http://schemas.microsoft.com/office/drawing/2014/main" id="{CF1C25AE-D652-11A5-B5EC-F8165BE323FC}"/>
@@ -4487,7 +4671,7 @@
         </p:nvSpPr>
         <p:spPr>
           <a:xfrm>
-            <a:off x="2168099" y="2506512"/>
+            <a:off x="1899746" y="2506512"/>
             <a:ext cx="1908000" cy="216000"/>
           </a:xfrm>
           <a:prstGeom prst="rect">
@@ -4532,7 +4716,7 @@
       </p:sp>
       <p:sp>
         <p:nvSpPr>
-          <p:cNvPr id="29" name="TextBox 28">
+          <p:cNvPr id="44" name="TextBox 43">
             <a:extLst>
               <a:ext uri="{FF2B5EF4-FFF2-40B4-BE49-F238E27FC236}">
                 <a16:creationId xmlns:a16="http://schemas.microsoft.com/office/drawing/2014/main" id="{31F73A1B-3ADC-F2FE-4134-96AE95176977}"/>
@@ -4544,7 +4728,7 @@
         </p:nvSpPr>
         <p:spPr>
           <a:xfrm>
-            <a:off x="2168099" y="4434319"/>
+            <a:off x="1899746" y="4434319"/>
             <a:ext cx="1908000" cy="216000"/>
           </a:xfrm>
           <a:prstGeom prst="rect">
@@ -4589,7 +4773,7 @@
       </p:sp>
       <p:sp>
         <p:nvSpPr>
-          <p:cNvPr id="30" name="TextBox 29">
+          <p:cNvPr id="45" name="TextBox 44">
             <a:extLst>
               <a:ext uri="{FF2B5EF4-FFF2-40B4-BE49-F238E27FC236}">
                 <a16:creationId xmlns:a16="http://schemas.microsoft.com/office/drawing/2014/main" id="{9CAEBC89-740E-B6AE-1664-60181017FDA9}"/>
@@ -4601,7 +4785,7 @@
         </p:nvSpPr>
         <p:spPr>
           <a:xfrm>
-            <a:off x="1250693" y="383448"/>
+            <a:off x="1002218" y="383448"/>
             <a:ext cx="1196419" cy="215444"/>
           </a:xfrm>
           <a:prstGeom prst="rect">
@@ -4646,7 +4830,7 @@
       </p:sp>
       <p:sp>
         <p:nvSpPr>
-          <p:cNvPr id="31" name="Rectangle 30">
+          <p:cNvPr id="46" name="Rectangle 45">
             <a:extLst>
               <a:ext uri="{FF2B5EF4-FFF2-40B4-BE49-F238E27FC236}">
                 <a16:creationId xmlns:a16="http://schemas.microsoft.com/office/drawing/2014/main" id="{A915B4F4-9555-239A-6644-707B5F75353A}"/>
@@ -4658,7 +4842,7 @@
         </p:nvSpPr>
         <p:spPr>
           <a:xfrm>
-            <a:off x="1928821" y="446170"/>
+            <a:off x="1680346" y="446170"/>
             <a:ext cx="360000" cy="90000"/>
           </a:xfrm>
           <a:prstGeom prst="rect">
@@ -4704,7 +4888,7 @@
       </p:sp>
       <p:cxnSp>
         <p:nvCxnSpPr>
-          <p:cNvPr id="32" name="Straight Connector 31">
+          <p:cNvPr id="47" name="Straight Connector 46">
             <a:extLst>
               <a:ext uri="{FF2B5EF4-FFF2-40B4-BE49-F238E27FC236}">
                 <a16:creationId xmlns:a16="http://schemas.microsoft.com/office/drawing/2014/main" id="{A10F3755-65FA-8268-88B6-1CBC42EFB7F8}"/>
@@ -4718,7 +4902,7 @@
         </p:nvCxnSpPr>
         <p:spPr>
           <a:xfrm>
-            <a:off x="954889" y="491170"/>
+            <a:off x="706414" y="491170"/>
             <a:ext cx="360000" cy="0"/>
           </a:xfrm>
           <a:prstGeom prst="line">
@@ -4747,7 +4931,7 @@
       </p:cxnSp>
       <p:sp>
         <p:nvSpPr>
-          <p:cNvPr id="33" name="TextBox 32">
+          <p:cNvPr id="48" name="TextBox 47">
             <a:extLst>
               <a:ext uri="{FF2B5EF4-FFF2-40B4-BE49-F238E27FC236}">
                 <a16:creationId xmlns:a16="http://schemas.microsoft.com/office/drawing/2014/main" id="{BDE5C9A9-3189-D01F-D799-FE5E444982DC}"/>
@@ -4759,7 +4943,7 @@
         </p:nvSpPr>
         <p:spPr>
           <a:xfrm>
-            <a:off x="2227493" y="383448"/>
+            <a:off x="1979018" y="383448"/>
             <a:ext cx="1196419" cy="215444"/>
           </a:xfrm>
           <a:prstGeom prst="rect">
